--- a/powerpoint/4_Shell_scripting.pptx
+++ b/powerpoint/4_Shell_scripting.pptx
@@ -277,7 +277,7 @@
           <a:p>
             <a:fld id="{2244AFD0-6711-41F1-97ED-53C99FBC28F0}" type="datetimeFigureOut">
               <a:rPr lang="en-GB" smtClean="0"/>
-              <a:t>22/02/2021</a:t>
+              <a:t>01/03/2021</a:t>
             </a:fld>
             <a:endParaRPr lang="en-GB"/>
           </a:p>
@@ -477,7 +477,7 @@
           <a:p>
             <a:fld id="{2244AFD0-6711-41F1-97ED-53C99FBC28F0}" type="datetimeFigureOut">
               <a:rPr lang="en-GB" smtClean="0"/>
-              <a:t>22/02/2021</a:t>
+              <a:t>01/03/2021</a:t>
             </a:fld>
             <a:endParaRPr lang="en-GB"/>
           </a:p>
@@ -687,7 +687,7 @@
           <a:p>
             <a:fld id="{2244AFD0-6711-41F1-97ED-53C99FBC28F0}" type="datetimeFigureOut">
               <a:rPr lang="en-GB" smtClean="0"/>
-              <a:t>22/02/2021</a:t>
+              <a:t>01/03/2021</a:t>
             </a:fld>
             <a:endParaRPr lang="en-GB"/>
           </a:p>
@@ -887,7 +887,7 @@
           <a:p>
             <a:fld id="{2244AFD0-6711-41F1-97ED-53C99FBC28F0}" type="datetimeFigureOut">
               <a:rPr lang="en-GB" smtClean="0"/>
-              <a:t>22/02/2021</a:t>
+              <a:t>01/03/2021</a:t>
             </a:fld>
             <a:endParaRPr lang="en-GB"/>
           </a:p>
@@ -1163,7 +1163,7 @@
           <a:p>
             <a:fld id="{2244AFD0-6711-41F1-97ED-53C99FBC28F0}" type="datetimeFigureOut">
               <a:rPr lang="en-GB" smtClean="0"/>
-              <a:t>22/02/2021</a:t>
+              <a:t>01/03/2021</a:t>
             </a:fld>
             <a:endParaRPr lang="en-GB"/>
           </a:p>
@@ -1431,7 +1431,7 @@
           <a:p>
             <a:fld id="{2244AFD0-6711-41F1-97ED-53C99FBC28F0}" type="datetimeFigureOut">
               <a:rPr lang="en-GB" smtClean="0"/>
-              <a:t>22/02/2021</a:t>
+              <a:t>01/03/2021</a:t>
             </a:fld>
             <a:endParaRPr lang="en-GB"/>
           </a:p>
@@ -1846,7 +1846,7 @@
           <a:p>
             <a:fld id="{2244AFD0-6711-41F1-97ED-53C99FBC28F0}" type="datetimeFigureOut">
               <a:rPr lang="en-GB" smtClean="0"/>
-              <a:t>22/02/2021</a:t>
+              <a:t>01/03/2021</a:t>
             </a:fld>
             <a:endParaRPr lang="en-GB"/>
           </a:p>
@@ -1988,7 +1988,7 @@
           <a:p>
             <a:fld id="{2244AFD0-6711-41F1-97ED-53C99FBC28F0}" type="datetimeFigureOut">
               <a:rPr lang="en-GB" smtClean="0"/>
-              <a:t>22/02/2021</a:t>
+              <a:t>01/03/2021</a:t>
             </a:fld>
             <a:endParaRPr lang="en-GB"/>
           </a:p>
@@ -2101,7 +2101,7 @@
           <a:p>
             <a:fld id="{2244AFD0-6711-41F1-97ED-53C99FBC28F0}" type="datetimeFigureOut">
               <a:rPr lang="en-GB" smtClean="0"/>
-              <a:t>22/02/2021</a:t>
+              <a:t>01/03/2021</a:t>
             </a:fld>
             <a:endParaRPr lang="en-GB"/>
           </a:p>
@@ -2414,7 +2414,7 @@
           <a:p>
             <a:fld id="{2244AFD0-6711-41F1-97ED-53C99FBC28F0}" type="datetimeFigureOut">
               <a:rPr lang="en-GB" smtClean="0"/>
-              <a:t>22/02/2021</a:t>
+              <a:t>01/03/2021</a:t>
             </a:fld>
             <a:endParaRPr lang="en-GB"/>
           </a:p>
@@ -2703,7 +2703,7 @@
           <a:p>
             <a:fld id="{2244AFD0-6711-41F1-97ED-53C99FBC28F0}" type="datetimeFigureOut">
               <a:rPr lang="en-GB" smtClean="0"/>
-              <a:t>22/02/2021</a:t>
+              <a:t>01/03/2021</a:t>
             </a:fld>
             <a:endParaRPr lang="en-GB"/>
           </a:p>
@@ -2946,7 +2946,7 @@
           <a:p>
             <a:fld id="{2244AFD0-6711-41F1-97ED-53C99FBC28F0}" type="datetimeFigureOut">
               <a:rPr lang="en-GB" smtClean="0"/>
-              <a:t>22/02/2021</a:t>
+              <a:t>01/03/2021</a:t>
             </a:fld>
             <a:endParaRPr lang="en-GB"/>
           </a:p>
@@ -4460,7 +4460,7 @@
         </p:nvSpPr>
         <p:spPr>
           <a:xfrm>
-            <a:off x="-495300" y="-78007"/>
+            <a:off x="-204159" y="98964"/>
             <a:ext cx="12192000" cy="1325563"/>
           </a:xfrm>
         </p:spPr>
@@ -4475,7 +4475,18 @@
                   <a:srgbClr val="7030A0"/>
                 </a:solidFill>
               </a:rPr>
-              <a:t>4) Shell scripting: basic for loop</a:t>
+              <a:t>4) Shell scripting: basic for loop. </a:t>
+            </a:r>
+            <a:r>
+              <a:rPr lang="en-GB" dirty="0">
+                <a:solidFill>
+                  <a:srgbClr val="7030A0"/>
+                </a:solidFill>
+                <a:highlight>
+                  <a:srgbClr val="FFFF00"/>
+                </a:highlight>
+              </a:rPr>
+              <a:t>Advanced and wont be needed here</a:t>
             </a:r>
           </a:p>
         </p:txBody>
@@ -4498,7 +4509,7 @@
         </p:nvSpPr>
         <p:spPr>
           <a:xfrm>
-            <a:off x="152400" y="928688"/>
+            <a:off x="204159" y="1338263"/>
             <a:ext cx="11036300" cy="5519737"/>
           </a:xfrm>
         </p:spPr>

--- a/powerpoint/4_Shell_scripting.pptx
+++ b/powerpoint/4_Shell_scripting.pptx
@@ -277,7 +277,7 @@
           <a:p>
             <a:fld id="{2244AFD0-6711-41F1-97ED-53C99FBC28F0}" type="datetimeFigureOut">
               <a:rPr lang="en-GB" smtClean="0"/>
-              <a:t>01/03/2021</a:t>
+              <a:t>10/03/2021</a:t>
             </a:fld>
             <a:endParaRPr lang="en-GB"/>
           </a:p>
@@ -477,7 +477,7 @@
           <a:p>
             <a:fld id="{2244AFD0-6711-41F1-97ED-53C99FBC28F0}" type="datetimeFigureOut">
               <a:rPr lang="en-GB" smtClean="0"/>
-              <a:t>01/03/2021</a:t>
+              <a:t>10/03/2021</a:t>
             </a:fld>
             <a:endParaRPr lang="en-GB"/>
           </a:p>
@@ -687,7 +687,7 @@
           <a:p>
             <a:fld id="{2244AFD0-6711-41F1-97ED-53C99FBC28F0}" type="datetimeFigureOut">
               <a:rPr lang="en-GB" smtClean="0"/>
-              <a:t>01/03/2021</a:t>
+              <a:t>10/03/2021</a:t>
             </a:fld>
             <a:endParaRPr lang="en-GB"/>
           </a:p>
@@ -887,7 +887,7 @@
           <a:p>
             <a:fld id="{2244AFD0-6711-41F1-97ED-53C99FBC28F0}" type="datetimeFigureOut">
               <a:rPr lang="en-GB" smtClean="0"/>
-              <a:t>01/03/2021</a:t>
+              <a:t>10/03/2021</a:t>
             </a:fld>
             <a:endParaRPr lang="en-GB"/>
           </a:p>
@@ -1163,7 +1163,7 @@
           <a:p>
             <a:fld id="{2244AFD0-6711-41F1-97ED-53C99FBC28F0}" type="datetimeFigureOut">
               <a:rPr lang="en-GB" smtClean="0"/>
-              <a:t>01/03/2021</a:t>
+              <a:t>10/03/2021</a:t>
             </a:fld>
             <a:endParaRPr lang="en-GB"/>
           </a:p>
@@ -1431,7 +1431,7 @@
           <a:p>
             <a:fld id="{2244AFD0-6711-41F1-97ED-53C99FBC28F0}" type="datetimeFigureOut">
               <a:rPr lang="en-GB" smtClean="0"/>
-              <a:t>01/03/2021</a:t>
+              <a:t>10/03/2021</a:t>
             </a:fld>
             <a:endParaRPr lang="en-GB"/>
           </a:p>
@@ -1846,7 +1846,7 @@
           <a:p>
             <a:fld id="{2244AFD0-6711-41F1-97ED-53C99FBC28F0}" type="datetimeFigureOut">
               <a:rPr lang="en-GB" smtClean="0"/>
-              <a:t>01/03/2021</a:t>
+              <a:t>10/03/2021</a:t>
             </a:fld>
             <a:endParaRPr lang="en-GB"/>
           </a:p>
@@ -1988,7 +1988,7 @@
           <a:p>
             <a:fld id="{2244AFD0-6711-41F1-97ED-53C99FBC28F0}" type="datetimeFigureOut">
               <a:rPr lang="en-GB" smtClean="0"/>
-              <a:t>01/03/2021</a:t>
+              <a:t>10/03/2021</a:t>
             </a:fld>
             <a:endParaRPr lang="en-GB"/>
           </a:p>
@@ -2101,7 +2101,7 @@
           <a:p>
             <a:fld id="{2244AFD0-6711-41F1-97ED-53C99FBC28F0}" type="datetimeFigureOut">
               <a:rPr lang="en-GB" smtClean="0"/>
-              <a:t>01/03/2021</a:t>
+              <a:t>10/03/2021</a:t>
             </a:fld>
             <a:endParaRPr lang="en-GB"/>
           </a:p>
@@ -2414,7 +2414,7 @@
           <a:p>
             <a:fld id="{2244AFD0-6711-41F1-97ED-53C99FBC28F0}" type="datetimeFigureOut">
               <a:rPr lang="en-GB" smtClean="0"/>
-              <a:t>01/03/2021</a:t>
+              <a:t>10/03/2021</a:t>
             </a:fld>
             <a:endParaRPr lang="en-GB"/>
           </a:p>
@@ -2703,7 +2703,7 @@
           <a:p>
             <a:fld id="{2244AFD0-6711-41F1-97ED-53C99FBC28F0}" type="datetimeFigureOut">
               <a:rPr lang="en-GB" smtClean="0"/>
-              <a:t>01/03/2021</a:t>
+              <a:t>10/03/2021</a:t>
             </a:fld>
             <a:endParaRPr lang="en-GB"/>
           </a:p>
@@ -2946,7 +2946,7 @@
           <a:p>
             <a:fld id="{2244AFD0-6711-41F1-97ED-53C99FBC28F0}" type="datetimeFigureOut">
               <a:rPr lang="en-GB" smtClean="0"/>
-              <a:t>01/03/2021</a:t>
+              <a:t>10/03/2021</a:t>
             </a:fld>
             <a:endParaRPr lang="en-GB"/>
           </a:p>
@@ -3444,8 +3444,12 @@
           </a:p>
           <a:p>
             <a:r>
+              <a:rPr lang="en-GB" b="1" dirty="0"/>
+              <a:t>BLAST: </a:t>
+            </a:r>
+            <a:r>
               <a:rPr lang="en-GB" dirty="0"/>
-              <a:t>BLAST: what have we just assembled?</a:t>
+              <a:t>what have we just assembled?</a:t>
             </a:r>
           </a:p>
           <a:p>
@@ -4477,17 +4481,14 @@
               </a:rPr>
               <a:t>4) Shell scripting: basic for loop. </a:t>
             </a:r>
-            <a:r>
-              <a:rPr lang="en-GB" dirty="0">
-                <a:solidFill>
-                  <a:srgbClr val="7030A0"/>
-                </a:solidFill>
-                <a:highlight>
-                  <a:srgbClr val="FFFF00"/>
-                </a:highlight>
-              </a:rPr>
-              <a:t>Advanced and wont be needed here</a:t>
-            </a:r>
+            <a:endParaRPr lang="en-GB" dirty="0">
+              <a:solidFill>
+                <a:srgbClr val="7030A0"/>
+              </a:solidFill>
+              <a:highlight>
+                <a:srgbClr val="FFFF00"/>
+              </a:highlight>
+            </a:endParaRPr>
           </a:p>
         </p:txBody>
       </p:sp>
@@ -4802,11 +4803,14 @@
           </a:p>
           <a:p>
             <a:r>
-              <a:rPr lang="en-GB" dirty="0"/>
+              <a:rPr lang="en-GB" b="1" dirty="0"/>
               <a:t>In one line:</a:t>
             </a:r>
           </a:p>
           <a:p>
+            <a:pPr marL="0" indent="0">
+              <a:buNone/>
+            </a:pPr>
             <a:r>
               <a:rPr lang="en-GB" dirty="0"/>
               <a:t>for f in ${filenames}; do muscle -in ${f} -o {f}.</a:t>
@@ -5795,25 +5799,19 @@
         </p:nvSpPr>
         <p:spPr>
           <a:xfrm>
-            <a:off x="82550" y="926934"/>
-            <a:ext cx="9495559" cy="5519737"/>
+            <a:off x="82551" y="926935"/>
+            <a:ext cx="9166552" cy="1175134"/>
           </a:xfrm>
         </p:spPr>
         <p:txBody>
           <a:bodyPr>
-            <a:normAutofit/>
+            <a:normAutofit fontScale="70000" lnSpcReduction="20000"/>
           </a:bodyPr>
           <a:lstStyle/>
           <a:p>
             <a:pPr marL="0" indent="0">
               <a:buNone/>
             </a:pPr>
-            <a:endParaRPr lang="en-GB" sz="2000" dirty="0"/>
-          </a:p>
-          <a:p>
-            <a:endParaRPr lang="en-GB" dirty="0"/>
-          </a:p>
-          <a:p>
             <a:endParaRPr lang="en-GB" dirty="0"/>
           </a:p>
           <a:p>
@@ -5848,6 +5846,202 @@
           </a:p>
         </p:txBody>
       </p:sp>
+      <p:pic>
+        <p:nvPicPr>
+          <p:cNvPr id="4" name="Picture 3">
+            <a:extLst>
+              <a:ext uri="{FF2B5EF4-FFF2-40B4-BE49-F238E27FC236}">
+                <a16:creationId xmlns:a16="http://schemas.microsoft.com/office/drawing/2014/main" id="{2D02F2B9-2612-43AB-A8C8-9B3002B8540C}"/>
+              </a:ext>
+            </a:extLst>
+          </p:cNvPr>
+          <p:cNvPicPr>
+            <a:picLocks noChangeAspect="1"/>
+          </p:cNvPicPr>
+          <p:nvPr/>
+        </p:nvPicPr>
+        <p:blipFill rotWithShape="1">
+          <a:blip r:embed="rId3"/>
+          <a:srcRect l="46466" t="20997" r="2586" b="15249"/>
+          <a:stretch/>
+        </p:blipFill>
+        <p:spPr>
+          <a:xfrm>
+            <a:off x="5265683" y="1982622"/>
+            <a:ext cx="6926317" cy="4875378"/>
+          </a:xfrm>
+          <a:prstGeom prst="rect">
+            <a:avLst/>
+          </a:prstGeom>
+        </p:spPr>
+      </p:pic>
+      <p:sp>
+        <p:nvSpPr>
+          <p:cNvPr id="5" name="TextBox 4">
+            <a:extLst>
+              <a:ext uri="{FF2B5EF4-FFF2-40B4-BE49-F238E27FC236}">
+                <a16:creationId xmlns:a16="http://schemas.microsoft.com/office/drawing/2014/main" id="{1B3BF563-FE2B-404E-A859-6B2ACCD3B72E}"/>
+              </a:ext>
+            </a:extLst>
+          </p:cNvPr>
+          <p:cNvSpPr txBox="1"/>
+          <p:nvPr/>
+        </p:nvSpPr>
+        <p:spPr>
+          <a:xfrm>
+            <a:off x="82551" y="3037490"/>
+            <a:ext cx="5025477" cy="3416320"/>
+          </a:xfrm>
+          <a:prstGeom prst="rect">
+            <a:avLst/>
+          </a:prstGeom>
+          <a:noFill/>
+        </p:spPr>
+        <p:txBody>
+          <a:bodyPr wrap="square" rtlCol="0">
+            <a:spAutoFit/>
+          </a:bodyPr>
+          <a:lstStyle/>
+          <a:p>
+            <a:pPr marL="285750" indent="-285750">
+              <a:buFont typeface="Arial" panose="020B0604020202020204" pitchFamily="34" charset="0"/>
+              <a:buChar char="•"/>
+            </a:pPr>
+            <a:r>
+              <a:rPr lang="en-GB" dirty="0">
+                <a:solidFill>
+                  <a:srgbClr val="FF0000"/>
+                </a:solidFill>
+              </a:rPr>
+              <a:t>$1 </a:t>
+            </a:r>
+            <a:r>
+              <a:rPr lang="en-GB" dirty="0"/>
+              <a:t>is the first string after the script name at the command line</a:t>
+            </a:r>
+          </a:p>
+          <a:p>
+            <a:pPr marL="285750" indent="-285750">
+              <a:buFont typeface="Arial" panose="020B0604020202020204" pitchFamily="34" charset="0"/>
+              <a:buChar char="•"/>
+            </a:pPr>
+            <a:endParaRPr lang="en-GB" dirty="0"/>
+          </a:p>
+          <a:p>
+            <a:pPr marL="285750" indent="-285750">
+              <a:buFont typeface="Arial" panose="020B0604020202020204" pitchFamily="34" charset="0"/>
+              <a:buChar char="•"/>
+            </a:pPr>
+            <a:r>
+              <a:rPr lang="en-GB" dirty="0">
+                <a:solidFill>
+                  <a:srgbClr val="FF0000"/>
+                </a:solidFill>
+              </a:rPr>
+              <a:t>$2 </a:t>
+            </a:r>
+            <a:r>
+              <a:rPr lang="en-GB" dirty="0"/>
+              <a:t>is the seconds string after the script name at the command line</a:t>
+            </a:r>
+          </a:p>
+          <a:p>
+            <a:pPr marL="285750" indent="-285750">
+              <a:buFont typeface="Arial" panose="020B0604020202020204" pitchFamily="34" charset="0"/>
+              <a:buChar char="•"/>
+            </a:pPr>
+            <a:endParaRPr lang="en-GB" dirty="0"/>
+          </a:p>
+          <a:p>
+            <a:pPr marL="285750" indent="-285750">
+              <a:buFont typeface="Arial" panose="020B0604020202020204" pitchFamily="34" charset="0"/>
+              <a:buChar char="•"/>
+            </a:pPr>
+            <a:endParaRPr lang="en-GB" dirty="0"/>
+          </a:p>
+          <a:p>
+            <a:pPr marL="285750" indent="-285750">
+              <a:buFont typeface="Arial" panose="020B0604020202020204" pitchFamily="34" charset="0"/>
+              <a:buChar char="•"/>
+            </a:pPr>
+            <a:r>
+              <a:rPr lang="en-GB" dirty="0">
+                <a:solidFill>
+                  <a:srgbClr val="FF0000"/>
+                </a:solidFill>
+              </a:rPr>
+              <a:t>$3 </a:t>
+            </a:r>
+            <a:r>
+              <a:rPr lang="en-GB" dirty="0"/>
+              <a:t>is the third string after the script name at the command line</a:t>
+            </a:r>
+          </a:p>
+          <a:p>
+            <a:pPr marL="285750" indent="-285750">
+              <a:buFont typeface="Arial" panose="020B0604020202020204" pitchFamily="34" charset="0"/>
+              <a:buChar char="•"/>
+            </a:pPr>
+            <a:endParaRPr lang="en-GB" dirty="0"/>
+          </a:p>
+          <a:p>
+            <a:pPr marL="285750" indent="-285750">
+              <a:buFont typeface="Arial" panose="020B0604020202020204" pitchFamily="34" charset="0"/>
+              <a:buChar char="•"/>
+            </a:pPr>
+            <a:r>
+              <a:rPr lang="en-GB" dirty="0"/>
+              <a:t>Etc …….</a:t>
+            </a:r>
+          </a:p>
+          <a:p>
+            <a:pPr marL="285750" indent="-285750">
+              <a:buFont typeface="Arial" panose="020B0604020202020204" pitchFamily="34" charset="0"/>
+              <a:buChar char="•"/>
+            </a:pPr>
+            <a:endParaRPr lang="en-GB" dirty="0"/>
+          </a:p>
+        </p:txBody>
+      </p:sp>
+      <p:cxnSp>
+        <p:nvCxnSpPr>
+          <p:cNvPr id="7" name="Straight Arrow Connector 6">
+            <a:extLst>
+              <a:ext uri="{FF2B5EF4-FFF2-40B4-BE49-F238E27FC236}">
+                <a16:creationId xmlns:a16="http://schemas.microsoft.com/office/drawing/2014/main" id="{58CE1883-7E91-4B31-8604-873F3F6046B0}"/>
+              </a:ext>
+            </a:extLst>
+          </p:cNvPr>
+          <p:cNvCxnSpPr/>
+          <p:nvPr/>
+        </p:nvCxnSpPr>
+        <p:spPr>
+          <a:xfrm>
+            <a:off x="3626069" y="3429000"/>
+            <a:ext cx="1481959" cy="333703"/>
+          </a:xfrm>
+          <a:prstGeom prst="straightConnector1">
+            <a:avLst/>
+          </a:prstGeom>
+          <a:ln>
+            <a:tailEnd type="triangle"/>
+          </a:ln>
+        </p:spPr>
+        <p:style>
+          <a:lnRef idx="1">
+            <a:schemeClr val="accent1"/>
+          </a:lnRef>
+          <a:fillRef idx="0">
+            <a:schemeClr val="accent1"/>
+          </a:fillRef>
+          <a:effectRef idx="0">
+            <a:schemeClr val="accent1"/>
+          </a:effectRef>
+          <a:fontRef idx="minor">
+            <a:schemeClr val="tx1"/>
+          </a:fontRef>
+        </p:style>
+      </p:cxnSp>
     </p:spTree>
     <p:extLst>
       <p:ext uri="{BB962C8B-B14F-4D97-AF65-F5344CB8AC3E}">
@@ -7640,7 +7834,7 @@
             </a:r>
             <a:r>
               <a:rPr lang="en-GB" dirty="0" err="1"/>
-              <a:t>ngs</a:t>
+              <a:t>Msc_Digital_Health</a:t>
             </a:r>
             <a:r>
               <a:rPr lang="en-GB" dirty="0"/>
@@ -7990,7 +8184,7 @@
                   <a:srgbClr val="0070C0"/>
                 </a:solidFill>
               </a:rPr>
-              <a:t>a+x</a:t>
+              <a:t>u+x</a:t>
             </a:r>
             <a:r>
               <a:rPr lang="en-GB" dirty="0">
@@ -8246,7 +8440,7 @@
                   <a:srgbClr val="7030A0"/>
                 </a:solidFill>
               </a:rPr>
-              <a:t>4) Shell scripting: Colours of files - may differ between programs. </a:t>
+              <a:t>4) Shell scripting: Colours of files - may differ between programs/ command lines used. </a:t>
             </a:r>
           </a:p>
         </p:txBody>

--- a/powerpoint/4_Shell_scripting.pptx
+++ b/powerpoint/4_Shell_scripting.pptx
@@ -7,21 +7,23 @@
   <p:sldIdLst>
     <p:sldId id="324" r:id="rId2"/>
     <p:sldId id="268" r:id="rId3"/>
-    <p:sldId id="270" r:id="rId4"/>
-    <p:sldId id="283" r:id="rId5"/>
-    <p:sldId id="284" r:id="rId6"/>
-    <p:sldId id="327" r:id="rId7"/>
-    <p:sldId id="300" r:id="rId8"/>
-    <p:sldId id="272" r:id="rId9"/>
-    <p:sldId id="288" r:id="rId10"/>
-    <p:sldId id="315" r:id="rId11"/>
-    <p:sldId id="273" r:id="rId12"/>
-    <p:sldId id="328" r:id="rId13"/>
-    <p:sldId id="329" r:id="rId14"/>
-    <p:sldId id="325" r:id="rId15"/>
-    <p:sldId id="330" r:id="rId16"/>
-    <p:sldId id="331" r:id="rId17"/>
-    <p:sldId id="332" r:id="rId18"/>
+    <p:sldId id="333" r:id="rId4"/>
+    <p:sldId id="270" r:id="rId5"/>
+    <p:sldId id="283" r:id="rId6"/>
+    <p:sldId id="284" r:id="rId7"/>
+    <p:sldId id="327" r:id="rId8"/>
+    <p:sldId id="300" r:id="rId9"/>
+    <p:sldId id="272" r:id="rId10"/>
+    <p:sldId id="288" r:id="rId11"/>
+    <p:sldId id="315" r:id="rId12"/>
+    <p:sldId id="273" r:id="rId13"/>
+    <p:sldId id="328" r:id="rId14"/>
+    <p:sldId id="329" r:id="rId15"/>
+    <p:sldId id="325" r:id="rId16"/>
+    <p:sldId id="330" r:id="rId17"/>
+    <p:sldId id="331" r:id="rId18"/>
+    <p:sldId id="338" r:id="rId19"/>
+    <p:sldId id="332" r:id="rId20"/>
   </p:sldIdLst>
   <p:sldSz cx="12192000" cy="6858000"/>
   <p:notesSz cx="6858000" cy="9144000"/>
@@ -277,7 +279,7 @@
           <a:p>
             <a:fld id="{2244AFD0-6711-41F1-97ED-53C99FBC28F0}" type="datetimeFigureOut">
               <a:rPr lang="en-GB" smtClean="0"/>
-              <a:t>10/03/2021</a:t>
+              <a:t>10/03/2022</a:t>
             </a:fld>
             <a:endParaRPr lang="en-GB"/>
           </a:p>
@@ -477,7 +479,7 @@
           <a:p>
             <a:fld id="{2244AFD0-6711-41F1-97ED-53C99FBC28F0}" type="datetimeFigureOut">
               <a:rPr lang="en-GB" smtClean="0"/>
-              <a:t>10/03/2021</a:t>
+              <a:t>10/03/2022</a:t>
             </a:fld>
             <a:endParaRPr lang="en-GB"/>
           </a:p>
@@ -687,7 +689,7 @@
           <a:p>
             <a:fld id="{2244AFD0-6711-41F1-97ED-53C99FBC28F0}" type="datetimeFigureOut">
               <a:rPr lang="en-GB" smtClean="0"/>
-              <a:t>10/03/2021</a:t>
+              <a:t>10/03/2022</a:t>
             </a:fld>
             <a:endParaRPr lang="en-GB"/>
           </a:p>
@@ -887,7 +889,7 @@
           <a:p>
             <a:fld id="{2244AFD0-6711-41F1-97ED-53C99FBC28F0}" type="datetimeFigureOut">
               <a:rPr lang="en-GB" smtClean="0"/>
-              <a:t>10/03/2021</a:t>
+              <a:t>10/03/2022</a:t>
             </a:fld>
             <a:endParaRPr lang="en-GB"/>
           </a:p>
@@ -1163,7 +1165,7 @@
           <a:p>
             <a:fld id="{2244AFD0-6711-41F1-97ED-53C99FBC28F0}" type="datetimeFigureOut">
               <a:rPr lang="en-GB" smtClean="0"/>
-              <a:t>10/03/2021</a:t>
+              <a:t>10/03/2022</a:t>
             </a:fld>
             <a:endParaRPr lang="en-GB"/>
           </a:p>
@@ -1431,7 +1433,7 @@
           <a:p>
             <a:fld id="{2244AFD0-6711-41F1-97ED-53C99FBC28F0}" type="datetimeFigureOut">
               <a:rPr lang="en-GB" smtClean="0"/>
-              <a:t>10/03/2021</a:t>
+              <a:t>10/03/2022</a:t>
             </a:fld>
             <a:endParaRPr lang="en-GB"/>
           </a:p>
@@ -1846,7 +1848,7 @@
           <a:p>
             <a:fld id="{2244AFD0-6711-41F1-97ED-53C99FBC28F0}" type="datetimeFigureOut">
               <a:rPr lang="en-GB" smtClean="0"/>
-              <a:t>10/03/2021</a:t>
+              <a:t>10/03/2022</a:t>
             </a:fld>
             <a:endParaRPr lang="en-GB"/>
           </a:p>
@@ -1988,7 +1990,7 @@
           <a:p>
             <a:fld id="{2244AFD0-6711-41F1-97ED-53C99FBC28F0}" type="datetimeFigureOut">
               <a:rPr lang="en-GB" smtClean="0"/>
-              <a:t>10/03/2021</a:t>
+              <a:t>10/03/2022</a:t>
             </a:fld>
             <a:endParaRPr lang="en-GB"/>
           </a:p>
@@ -2101,7 +2103,7 @@
           <a:p>
             <a:fld id="{2244AFD0-6711-41F1-97ED-53C99FBC28F0}" type="datetimeFigureOut">
               <a:rPr lang="en-GB" smtClean="0"/>
-              <a:t>10/03/2021</a:t>
+              <a:t>10/03/2022</a:t>
             </a:fld>
             <a:endParaRPr lang="en-GB"/>
           </a:p>
@@ -2414,7 +2416,7 @@
           <a:p>
             <a:fld id="{2244AFD0-6711-41F1-97ED-53C99FBC28F0}" type="datetimeFigureOut">
               <a:rPr lang="en-GB" smtClean="0"/>
-              <a:t>10/03/2021</a:t>
+              <a:t>10/03/2022</a:t>
             </a:fld>
             <a:endParaRPr lang="en-GB"/>
           </a:p>
@@ -2703,7 +2705,7 @@
           <a:p>
             <a:fld id="{2244AFD0-6711-41F1-97ED-53C99FBC28F0}" type="datetimeFigureOut">
               <a:rPr lang="en-GB" smtClean="0"/>
-              <a:t>10/03/2021</a:t>
+              <a:t>10/03/2022</a:t>
             </a:fld>
             <a:endParaRPr lang="en-GB"/>
           </a:p>
@@ -2946,7 +2948,7 @@
           <a:p>
             <a:fld id="{2244AFD0-6711-41F1-97ED-53C99FBC28F0}" type="datetimeFigureOut">
               <a:rPr lang="en-GB" smtClean="0"/>
-              <a:t>10/03/2021</a:t>
+              <a:t>10/03/2022</a:t>
             </a:fld>
             <a:endParaRPr lang="en-GB"/>
           </a:p>
@@ -3449,13 +3451,21 @@
             </a:r>
             <a:r>
               <a:rPr lang="en-GB" dirty="0"/>
-              <a:t>what have we just assembled?</a:t>
-            </a:r>
-          </a:p>
-          <a:p>
+              <a:t>what have we just assembled? (an alternative here would be </a:t>
+            </a:r>
+            <a:r>
+              <a:rPr lang="en-GB" dirty="0" err="1"/>
+              <a:t>MetaPhlAn</a:t>
+            </a:r>
             <a:r>
               <a:rPr lang="en-GB" dirty="0"/>
-              <a:t>In order to do any of this, we need a way of talking to the computer … shell scripting. </a:t>
+              <a:t>)</a:t>
+            </a:r>
+          </a:p>
+          <a:p>
+            <a:r>
+              <a:rPr lang="en-GB" dirty="0"/>
+              <a:t>In order to do any of this, we need a way of “talking to the computer” … shell scripting. </a:t>
             </a:r>
           </a:p>
         </p:txBody>
@@ -3495,7 +3505,7 @@
           <p:cNvPr id="2" name="Title 1">
             <a:extLst>
               <a:ext uri="{FF2B5EF4-FFF2-40B4-BE49-F238E27FC236}">
-                <a16:creationId xmlns:a16="http://schemas.microsoft.com/office/drawing/2014/main" id="{C81A3A91-7B42-45E2-AF0C-1ABEDCB0CE20}"/>
+                <a16:creationId xmlns:a16="http://schemas.microsoft.com/office/drawing/2014/main" id="{8DE746B1-9DCE-476E-96FB-95A6E438B391}"/>
               </a:ext>
             </a:extLst>
           </p:cNvPr>
@@ -3508,227 +3518,67 @@
         </p:nvSpPr>
         <p:spPr>
           <a:xfrm>
-            <a:off x="755650" y="0"/>
-            <a:ext cx="10515600" cy="1325563"/>
+            <a:off x="0" y="77644"/>
+            <a:ext cx="11353800" cy="1325563"/>
           </a:xfrm>
         </p:spPr>
         <p:txBody>
           <a:bodyPr/>
           <a:lstStyle/>
           <a:p>
+            <a:pPr algn="ctr"/>
             <a:r>
               <a:rPr lang="en-GB" dirty="0">
                 <a:solidFill>
                   <a:srgbClr val="7030A0"/>
                 </a:solidFill>
               </a:rPr>
-              <a:t>4) Shell scripting: The .</a:t>
-            </a:r>
-            <a:r>
-              <a:rPr lang="en-GB" dirty="0" err="1">
-                <a:solidFill>
-                  <a:srgbClr val="7030A0"/>
-                </a:solidFill>
-              </a:rPr>
-              <a:t>sh</a:t>
-            </a:r>
-            <a:r>
-              <a:rPr lang="en-GB" dirty="0">
-                <a:solidFill>
-                  <a:srgbClr val="7030A0"/>
-                </a:solidFill>
-              </a:rPr>
-              <a:t> script has to be “executable”</a:t>
-            </a:r>
-          </a:p>
-        </p:txBody>
-      </p:sp>
-      <p:sp>
-        <p:nvSpPr>
-          <p:cNvPr id="3" name="Content Placeholder 2">
-            <a:extLst>
-              <a:ext uri="{FF2B5EF4-FFF2-40B4-BE49-F238E27FC236}">
-                <a16:creationId xmlns:a16="http://schemas.microsoft.com/office/drawing/2014/main" id="{9FC71EF4-1728-429F-AEAF-B2352A04F976}"/>
-              </a:ext>
-            </a:extLst>
-          </p:cNvPr>
-          <p:cNvSpPr>
-            <a:spLocks noGrp="1"/>
-          </p:cNvSpPr>
-          <p:nvPr>
-            <p:ph idx="1"/>
-          </p:nvPr>
-        </p:nvSpPr>
-        <p:spPr>
-          <a:xfrm>
-            <a:off x="450850" y="1325563"/>
-            <a:ext cx="11207750" cy="5156199"/>
-          </a:xfrm>
-        </p:spPr>
-        <p:txBody>
-          <a:bodyPr>
-            <a:normAutofit/>
-          </a:bodyPr>
-          <a:lstStyle/>
-          <a:p>
-            <a:pPr marL="0" indent="0">
-              <a:buNone/>
-            </a:pPr>
-            <a:endParaRPr lang="en-GB" dirty="0">
-              <a:solidFill>
-                <a:srgbClr val="0070C0"/>
-              </a:solidFill>
-            </a:endParaRPr>
-          </a:p>
-          <a:p>
-            <a:r>
-              <a:rPr lang="en-GB" dirty="0"/>
-              <a:t>Now you can run this:</a:t>
-            </a:r>
-          </a:p>
-          <a:p>
-            <a:pPr marL="0" indent="0">
-              <a:buNone/>
-            </a:pPr>
-            <a:endParaRPr lang="en-GB" dirty="0">
-              <a:solidFill>
-                <a:srgbClr val="0070C0"/>
-              </a:solidFill>
-            </a:endParaRPr>
-          </a:p>
-          <a:p>
-            <a:pPr marL="0" indent="0">
-              <a:buNone/>
-            </a:pPr>
-            <a:r>
-              <a:rPr lang="en-GB" dirty="0">
-                <a:solidFill>
-                  <a:srgbClr val="0070C0"/>
-                </a:solidFill>
-              </a:rPr>
-              <a:t>        ./Example.sh  </a:t>
-            </a:r>
-            <a:r>
-              <a:rPr lang="en-GB" dirty="0"/>
-              <a:t>(this dot slash, just means “here”)</a:t>
-            </a:r>
-          </a:p>
-          <a:p>
-            <a:pPr marL="0" indent="0">
-              <a:buNone/>
-            </a:pPr>
-            <a:endParaRPr lang="en-GB" dirty="0">
-              <a:solidFill>
-                <a:srgbClr val="0070C0"/>
-              </a:solidFill>
-            </a:endParaRPr>
-          </a:p>
-          <a:p>
-            <a:r>
-              <a:rPr lang="en-GB" dirty="0"/>
-              <a:t>This should just print “</a:t>
-            </a:r>
-            <a:r>
-              <a:rPr lang="en-GB" i="1" dirty="0"/>
-              <a:t>something</a:t>
-            </a:r>
-            <a:r>
-              <a:rPr lang="en-GB" dirty="0"/>
-              <a:t>” to the screen using the </a:t>
-            </a:r>
-            <a:r>
-              <a:rPr lang="en-GB" dirty="0">
-                <a:solidFill>
-                  <a:srgbClr val="0070C0"/>
-                </a:solidFill>
-              </a:rPr>
-              <a:t>echo</a:t>
-            </a:r>
-            <a:r>
-              <a:rPr lang="en-GB" dirty="0"/>
-              <a:t> command.</a:t>
-            </a:r>
-          </a:p>
-          <a:p>
-            <a:pPr marL="0" indent="0">
-              <a:buNone/>
-            </a:pPr>
-            <a:r>
-              <a:rPr lang="en-GB" dirty="0"/>
-              <a:t>Change this and try again. (to save in </a:t>
-            </a:r>
-            <a:r>
-              <a:rPr lang="en-GB" dirty="0" err="1"/>
-              <a:t>nano</a:t>
-            </a:r>
-            <a:r>
-              <a:rPr lang="en-GB" dirty="0"/>
-              <a:t>: type </a:t>
-            </a:r>
-            <a:r>
-              <a:rPr lang="en-GB" dirty="0">
-                <a:solidFill>
-                  <a:srgbClr val="0070C0"/>
-                </a:solidFill>
-              </a:rPr>
-              <a:t>ctrl x</a:t>
-            </a:r>
-            <a:r>
-              <a:rPr lang="en-GB" dirty="0"/>
-              <a:t>, then </a:t>
-            </a:r>
-            <a:r>
-              <a:rPr lang="en-GB" dirty="0">
-                <a:solidFill>
-                  <a:srgbClr val="0070C0"/>
-                </a:solidFill>
-              </a:rPr>
-              <a:t>y</a:t>
-            </a:r>
-            <a:r>
-              <a:rPr lang="en-GB" dirty="0"/>
-              <a:t> for yes, </a:t>
-            </a:r>
-            <a:r>
-              <a:rPr lang="en-GB" dirty="0">
-                <a:solidFill>
-                  <a:srgbClr val="0070C0"/>
-                </a:solidFill>
-              </a:rPr>
-              <a:t>enter</a:t>
-            </a:r>
-            <a:r>
-              <a:rPr lang="en-GB" dirty="0"/>
-              <a:t>)</a:t>
-            </a:r>
-          </a:p>
-          <a:p>
-            <a:pPr marL="0" indent="0">
-              <a:buNone/>
-            </a:pPr>
-            <a:endParaRPr lang="en-GB" dirty="0"/>
-          </a:p>
-          <a:p>
-            <a:pPr marL="0" indent="0">
-              <a:buNone/>
-            </a:pPr>
-            <a:r>
-              <a:rPr lang="en-GB" dirty="0">
-                <a:solidFill>
-                  <a:srgbClr val="0070C0"/>
-                </a:solidFill>
-              </a:rPr>
-              <a:t>        echo “something in quotes - boom”</a:t>
-            </a:r>
-          </a:p>
-        </p:txBody>
-      </p:sp>
-      <p:sp>
-        <p:nvSpPr>
-          <p:cNvPr id="4" name="TextBox 3">
-            <a:extLst>
-              <a:ext uri="{FF2B5EF4-FFF2-40B4-BE49-F238E27FC236}">
-                <a16:creationId xmlns:a16="http://schemas.microsoft.com/office/drawing/2014/main" id="{B4662B38-7115-424B-8193-AB38552519CD}"/>
+              <a:t>4) Shell scripting: Colours of files - may differ between programs/ command lines used. </a:t>
+            </a:r>
+          </a:p>
+        </p:txBody>
+      </p:sp>
+      <p:pic>
+        <p:nvPicPr>
+          <p:cNvPr id="4" name="Picture 3">
+            <a:extLst>
+              <a:ext uri="{FF2B5EF4-FFF2-40B4-BE49-F238E27FC236}">
+                <a16:creationId xmlns:a16="http://schemas.microsoft.com/office/drawing/2014/main" id="{E1080871-043E-4484-AA92-0F24D82261C5}"/>
+              </a:ext>
+            </a:extLst>
+          </p:cNvPr>
+          <p:cNvPicPr>
+            <a:picLocks noChangeAspect="1"/>
+          </p:cNvPicPr>
+          <p:nvPr/>
+        </p:nvPicPr>
+        <p:blipFill rotWithShape="1">
+          <a:blip r:embed="rId2">
+            <a:extLst>
+              <a:ext uri="{28A0092B-C50C-407E-A947-70E740481C1C}">
+                <a14:useLocalDpi xmlns:a14="http://schemas.microsoft.com/office/drawing/2010/main" val="0"/>
+              </a:ext>
+            </a:extLst>
+          </a:blip>
+          <a:srcRect/>
+          <a:stretch/>
+        </p:blipFill>
+        <p:spPr>
+          <a:xfrm>
+            <a:off x="3454400" y="2501900"/>
+            <a:ext cx="7340600" cy="2921000"/>
+          </a:xfrm>
+          <a:prstGeom prst="rect">
+            <a:avLst/>
+          </a:prstGeom>
+        </p:spPr>
+      </p:pic>
+      <p:sp>
+        <p:nvSpPr>
+          <p:cNvPr id="5" name="TextBox 4">
+            <a:extLst>
+              <a:ext uri="{FF2B5EF4-FFF2-40B4-BE49-F238E27FC236}">
+                <a16:creationId xmlns:a16="http://schemas.microsoft.com/office/drawing/2014/main" id="{36745D97-E67E-4C41-BD35-F85E4C6B0AF8}"/>
               </a:ext>
             </a:extLst>
           </p:cNvPr>
@@ -3737,8 +3587,8 @@
         </p:nvSpPr>
         <p:spPr>
           <a:xfrm>
-            <a:off x="10350500" y="0"/>
-            <a:ext cx="1841500" cy="584775"/>
+            <a:off x="622300" y="3733800"/>
+            <a:ext cx="2476500" cy="1938992"/>
           </a:xfrm>
           <a:prstGeom prst="rect">
             <a:avLst/>
@@ -3752,31 +3602,307 @@
           <a:lstStyle/>
           <a:p>
             <a:r>
-              <a:rPr lang="en-GB" sz="3200" dirty="0">
-                <a:solidFill>
-                  <a:srgbClr val="FF0000"/>
-                </a:solidFill>
-                <a:highlight>
-                  <a:srgbClr val="FFFF00"/>
-                </a:highlight>
-              </a:rPr>
-              <a:t>ACTIVITY</a:t>
-            </a:r>
-            <a:endParaRPr lang="en-GB" sz="2800" dirty="0">
-              <a:solidFill>
-                <a:srgbClr val="FF0000"/>
-              </a:solidFill>
-              <a:highlight>
-                <a:srgbClr val="FFFF00"/>
-              </a:highlight>
-            </a:endParaRPr>
-          </a:p>
-        </p:txBody>
-      </p:sp>
+              <a:rPr lang="en-GB" sz="2400" dirty="0"/>
+              <a:t>Compressed</a:t>
+            </a:r>
+          </a:p>
+          <a:p>
+            <a:endParaRPr lang="en-GB" sz="2400" dirty="0"/>
+          </a:p>
+          <a:p>
+            <a:r>
+              <a:rPr lang="en-GB" sz="2400" dirty="0"/>
+              <a:t>Just a file</a:t>
+            </a:r>
+          </a:p>
+          <a:p>
+            <a:endParaRPr lang="en-GB" sz="2400" dirty="0"/>
+          </a:p>
+          <a:p>
+            <a:r>
+              <a:rPr lang="en-GB" sz="2400" dirty="0"/>
+              <a:t>folder</a:t>
+            </a:r>
+          </a:p>
+        </p:txBody>
+      </p:sp>
+      <p:sp>
+        <p:nvSpPr>
+          <p:cNvPr id="6" name="TextBox 5">
+            <a:extLst>
+              <a:ext uri="{FF2B5EF4-FFF2-40B4-BE49-F238E27FC236}">
+                <a16:creationId xmlns:a16="http://schemas.microsoft.com/office/drawing/2014/main" id="{29E8E406-BE71-4FC5-B5C1-88004D8AC51B}"/>
+              </a:ext>
+            </a:extLst>
+          </p:cNvPr>
+          <p:cNvSpPr txBox="1"/>
+          <p:nvPr/>
+        </p:nvSpPr>
+        <p:spPr>
+          <a:xfrm>
+            <a:off x="5283200" y="1657628"/>
+            <a:ext cx="2476500" cy="461665"/>
+          </a:xfrm>
+          <a:prstGeom prst="rect">
+            <a:avLst/>
+          </a:prstGeom>
+          <a:noFill/>
+        </p:spPr>
+        <p:txBody>
+          <a:bodyPr wrap="square" rtlCol="0">
+            <a:spAutoFit/>
+          </a:bodyPr>
+          <a:lstStyle/>
+          <a:p>
+            <a:r>
+              <a:rPr lang="en-GB" sz="2400" dirty="0"/>
+              <a:t>executable</a:t>
+            </a:r>
+          </a:p>
+        </p:txBody>
+      </p:sp>
+      <p:sp>
+        <p:nvSpPr>
+          <p:cNvPr id="7" name="TextBox 6">
+            <a:extLst>
+              <a:ext uri="{FF2B5EF4-FFF2-40B4-BE49-F238E27FC236}">
+                <a16:creationId xmlns:a16="http://schemas.microsoft.com/office/drawing/2014/main" id="{077B223B-4F73-440C-94CE-6163E1EFE0EF}"/>
+              </a:ext>
+            </a:extLst>
+          </p:cNvPr>
+          <p:cNvSpPr txBox="1"/>
+          <p:nvPr/>
+        </p:nvSpPr>
+        <p:spPr>
+          <a:xfrm>
+            <a:off x="5054600" y="6092071"/>
+            <a:ext cx="2476500" cy="461665"/>
+          </a:xfrm>
+          <a:prstGeom prst="rect">
+            <a:avLst/>
+          </a:prstGeom>
+          <a:noFill/>
+        </p:spPr>
+        <p:txBody>
+          <a:bodyPr wrap="square" rtlCol="0">
+            <a:spAutoFit/>
+          </a:bodyPr>
+          <a:lstStyle/>
+          <a:p>
+            <a:r>
+              <a:rPr lang="en-GB" sz="2400" dirty="0"/>
+              <a:t>Symbolic link</a:t>
+            </a:r>
+          </a:p>
+        </p:txBody>
+      </p:sp>
+      <p:cxnSp>
+        <p:nvCxnSpPr>
+          <p:cNvPr id="9" name="Straight Arrow Connector 8">
+            <a:extLst>
+              <a:ext uri="{FF2B5EF4-FFF2-40B4-BE49-F238E27FC236}">
+                <a16:creationId xmlns:a16="http://schemas.microsoft.com/office/drawing/2014/main" id="{B964E002-DD3F-49EE-B2A6-19F84B6596EC}"/>
+              </a:ext>
+            </a:extLst>
+          </p:cNvPr>
+          <p:cNvCxnSpPr/>
+          <p:nvPr/>
+        </p:nvCxnSpPr>
+        <p:spPr>
+          <a:xfrm>
+            <a:off x="6292850" y="2119293"/>
+            <a:ext cx="228600" cy="2046307"/>
+          </a:xfrm>
+          <a:prstGeom prst="straightConnector1">
+            <a:avLst/>
+          </a:prstGeom>
+          <a:ln>
+            <a:tailEnd type="triangle"/>
+          </a:ln>
+        </p:spPr>
+        <p:style>
+          <a:lnRef idx="3">
+            <a:schemeClr val="accent1"/>
+          </a:lnRef>
+          <a:fillRef idx="0">
+            <a:schemeClr val="accent1"/>
+          </a:fillRef>
+          <a:effectRef idx="2">
+            <a:schemeClr val="accent1"/>
+          </a:effectRef>
+          <a:fontRef idx="minor">
+            <a:schemeClr val="tx1"/>
+          </a:fontRef>
+        </p:style>
+      </p:cxnSp>
+      <p:cxnSp>
+        <p:nvCxnSpPr>
+          <p:cNvPr id="10" name="Straight Arrow Connector 9">
+            <a:extLst>
+              <a:ext uri="{FF2B5EF4-FFF2-40B4-BE49-F238E27FC236}">
+                <a16:creationId xmlns:a16="http://schemas.microsoft.com/office/drawing/2014/main" id="{2492776D-1094-4234-8ECC-8C088FA46346}"/>
+              </a:ext>
+            </a:extLst>
+          </p:cNvPr>
+          <p:cNvCxnSpPr>
+            <a:cxnSpLocks/>
+          </p:cNvCxnSpPr>
+          <p:nvPr/>
+        </p:nvCxnSpPr>
+        <p:spPr>
+          <a:xfrm>
+            <a:off x="2451100" y="3962400"/>
+            <a:ext cx="1052512" cy="141307"/>
+          </a:xfrm>
+          <a:prstGeom prst="straightConnector1">
+            <a:avLst/>
+          </a:prstGeom>
+          <a:ln>
+            <a:tailEnd type="triangle"/>
+          </a:ln>
+        </p:spPr>
+        <p:style>
+          <a:lnRef idx="3">
+            <a:schemeClr val="accent1"/>
+          </a:lnRef>
+          <a:fillRef idx="0">
+            <a:schemeClr val="accent1"/>
+          </a:fillRef>
+          <a:effectRef idx="2">
+            <a:schemeClr val="accent1"/>
+          </a:effectRef>
+          <a:fontRef idx="minor">
+            <a:schemeClr val="tx1"/>
+          </a:fontRef>
+        </p:style>
+      </p:cxnSp>
+      <p:cxnSp>
+        <p:nvCxnSpPr>
+          <p:cNvPr id="13" name="Straight Arrow Connector 12">
+            <a:extLst>
+              <a:ext uri="{FF2B5EF4-FFF2-40B4-BE49-F238E27FC236}">
+                <a16:creationId xmlns:a16="http://schemas.microsoft.com/office/drawing/2014/main" id="{AD075155-21F3-46B7-8335-78B492E95A26}"/>
+              </a:ext>
+            </a:extLst>
+          </p:cNvPr>
+          <p:cNvCxnSpPr>
+            <a:cxnSpLocks/>
+          </p:cNvCxnSpPr>
+          <p:nvPr/>
+        </p:nvCxnSpPr>
+        <p:spPr>
+          <a:xfrm>
+            <a:off x="2057400" y="4781103"/>
+            <a:ext cx="1567656" cy="0"/>
+          </a:xfrm>
+          <a:prstGeom prst="straightConnector1">
+            <a:avLst/>
+          </a:prstGeom>
+          <a:ln>
+            <a:tailEnd type="triangle"/>
+          </a:ln>
+        </p:spPr>
+        <p:style>
+          <a:lnRef idx="3">
+            <a:schemeClr val="accent1"/>
+          </a:lnRef>
+          <a:fillRef idx="0">
+            <a:schemeClr val="accent1"/>
+          </a:fillRef>
+          <a:effectRef idx="2">
+            <a:schemeClr val="accent1"/>
+          </a:effectRef>
+          <a:fontRef idx="minor">
+            <a:schemeClr val="tx1"/>
+          </a:fontRef>
+        </p:style>
+      </p:cxnSp>
+      <p:cxnSp>
+        <p:nvCxnSpPr>
+          <p:cNvPr id="15" name="Straight Arrow Connector 14">
+            <a:extLst>
+              <a:ext uri="{FF2B5EF4-FFF2-40B4-BE49-F238E27FC236}">
+                <a16:creationId xmlns:a16="http://schemas.microsoft.com/office/drawing/2014/main" id="{0C48D724-F842-4BE2-B07E-64CCE2C8A30D}"/>
+              </a:ext>
+            </a:extLst>
+          </p:cNvPr>
+          <p:cNvCxnSpPr>
+            <a:cxnSpLocks/>
+          </p:cNvCxnSpPr>
+          <p:nvPr/>
+        </p:nvCxnSpPr>
+        <p:spPr>
+          <a:xfrm flipV="1">
+            <a:off x="1667272" y="5130800"/>
+            <a:ext cx="1787128" cy="298003"/>
+          </a:xfrm>
+          <a:prstGeom prst="straightConnector1">
+            <a:avLst/>
+          </a:prstGeom>
+          <a:ln>
+            <a:tailEnd type="triangle"/>
+          </a:ln>
+        </p:spPr>
+        <p:style>
+          <a:lnRef idx="3">
+            <a:schemeClr val="accent1"/>
+          </a:lnRef>
+          <a:fillRef idx="0">
+            <a:schemeClr val="accent1"/>
+          </a:fillRef>
+          <a:effectRef idx="2">
+            <a:schemeClr val="accent1"/>
+          </a:effectRef>
+          <a:fontRef idx="minor">
+            <a:schemeClr val="tx1"/>
+          </a:fontRef>
+        </p:style>
+      </p:cxnSp>
+      <p:cxnSp>
+        <p:nvCxnSpPr>
+          <p:cNvPr id="17" name="Straight Arrow Connector 16">
+            <a:extLst>
+              <a:ext uri="{FF2B5EF4-FFF2-40B4-BE49-F238E27FC236}">
+                <a16:creationId xmlns:a16="http://schemas.microsoft.com/office/drawing/2014/main" id="{E54A720E-E523-4B3C-B0C0-1A2B2D629E65}"/>
+              </a:ext>
+            </a:extLst>
+          </p:cNvPr>
+          <p:cNvCxnSpPr>
+            <a:cxnSpLocks/>
+          </p:cNvCxnSpPr>
+          <p:nvPr/>
+        </p:nvCxnSpPr>
+        <p:spPr>
+          <a:xfrm flipV="1">
+            <a:off x="5555456" y="5373896"/>
+            <a:ext cx="0" cy="718175"/>
+          </a:xfrm>
+          <a:prstGeom prst="straightConnector1">
+            <a:avLst/>
+          </a:prstGeom>
+          <a:ln>
+            <a:tailEnd type="triangle"/>
+          </a:ln>
+        </p:spPr>
+        <p:style>
+          <a:lnRef idx="3">
+            <a:schemeClr val="accent1"/>
+          </a:lnRef>
+          <a:fillRef idx="0">
+            <a:schemeClr val="accent1"/>
+          </a:fillRef>
+          <a:effectRef idx="2">
+            <a:schemeClr val="accent1"/>
+          </a:effectRef>
+          <a:fontRef idx="minor">
+            <a:schemeClr val="tx1"/>
+          </a:fontRef>
+        </p:style>
+      </p:cxnSp>
     </p:spTree>
     <p:extLst>
       <p:ext uri="{BB962C8B-B14F-4D97-AF65-F5344CB8AC3E}">
-        <p14:creationId xmlns:p14="http://schemas.microsoft.com/office/powerpoint/2010/main" val="2322820562"/>
+        <p14:creationId xmlns:p14="http://schemas.microsoft.com/office/powerpoint/2010/main" val="1532243045"/>
       </p:ext>
     </p:extLst>
   </p:cSld>
@@ -3808,7 +3934,7 @@
           <p:cNvPr id="2" name="Title 1">
             <a:extLst>
               <a:ext uri="{FF2B5EF4-FFF2-40B4-BE49-F238E27FC236}">
-                <a16:creationId xmlns:a16="http://schemas.microsoft.com/office/drawing/2014/main" id="{7E03E00C-44CB-43B4-AB72-A0B8C7DC8FC6}"/>
+                <a16:creationId xmlns:a16="http://schemas.microsoft.com/office/drawing/2014/main" id="{C81A3A91-7B42-45E2-AF0C-1ABEDCB0CE20}"/>
               </a:ext>
             </a:extLst>
           </p:cNvPr>
@@ -3821,22 +3947,21 @@
         </p:nvSpPr>
         <p:spPr>
           <a:xfrm>
-            <a:off x="-1257300" y="-78007"/>
-            <a:ext cx="12954000" cy="1325563"/>
+            <a:off x="755650" y="0"/>
+            <a:ext cx="10515600" cy="1325563"/>
           </a:xfrm>
         </p:spPr>
         <p:txBody>
           <a:bodyPr/>
           <a:lstStyle/>
           <a:p>
-            <a:pPr algn="ctr"/>
             <a:r>
               <a:rPr lang="en-GB" dirty="0">
                 <a:solidFill>
                   <a:srgbClr val="7030A0"/>
                 </a:solidFill>
               </a:rPr>
-              <a:t>4) Shell scripting/ </a:t>
+              <a:t>4) Shell scripting: The .</a:t>
             </a:r>
             <a:r>
               <a:rPr lang="en-GB" dirty="0" err="1">
@@ -3844,7 +3969,7 @@
                   <a:srgbClr val="7030A0"/>
                 </a:solidFill>
               </a:rPr>
-              <a:t>qsub</a:t>
+              <a:t>sh</a:t>
             </a:r>
             <a:r>
               <a:rPr lang="en-GB" dirty="0">
@@ -3852,7 +3977,7 @@
                   <a:srgbClr val="7030A0"/>
                 </a:solidFill>
               </a:rPr>
-              <a:t>: Run something useful</a:t>
+              <a:t> script has to be “executable”</a:t>
             </a:r>
           </a:p>
         </p:txBody>
@@ -3862,7 +3987,7 @@
           <p:cNvPr id="3" name="Content Placeholder 2">
             <a:extLst>
               <a:ext uri="{FF2B5EF4-FFF2-40B4-BE49-F238E27FC236}">
-                <a16:creationId xmlns:a16="http://schemas.microsoft.com/office/drawing/2014/main" id="{E1355657-ACC7-4163-88F9-88811068852A}"/>
+                <a16:creationId xmlns:a16="http://schemas.microsoft.com/office/drawing/2014/main" id="{9FC71EF4-1728-429F-AEAF-B2352A04F976}"/>
               </a:ext>
             </a:extLst>
           </p:cNvPr>
@@ -3875,8 +4000,8 @@
         </p:nvSpPr>
         <p:spPr>
           <a:xfrm>
-            <a:off x="161925" y="1185862"/>
-            <a:ext cx="11036300" cy="4486275"/>
+            <a:off x="450850" y="1325563"/>
+            <a:ext cx="11207750" cy="5156199"/>
           </a:xfrm>
         </p:spPr>
         <p:txBody>
@@ -3885,28 +4010,141 @@
           </a:bodyPr>
           <a:lstStyle/>
           <a:p>
+            <a:pPr marL="0" indent="0">
+              <a:buNone/>
+            </a:pPr>
+            <a:endParaRPr lang="en-GB" dirty="0">
+              <a:solidFill>
+                <a:srgbClr val="0070C0"/>
+              </a:solidFill>
+            </a:endParaRPr>
+          </a:p>
+          <a:p>
+            <a:r>
+              <a:rPr lang="en-GB" dirty="0"/>
+              <a:t>Now you can run this:</a:t>
+            </a:r>
+          </a:p>
+          <a:p>
+            <a:pPr marL="0" indent="0">
+              <a:buNone/>
+            </a:pPr>
+            <a:endParaRPr lang="en-GB" dirty="0">
+              <a:solidFill>
+                <a:srgbClr val="0070C0"/>
+              </a:solidFill>
+            </a:endParaRPr>
+          </a:p>
+          <a:p>
+            <a:pPr marL="0" indent="0">
+              <a:buNone/>
+            </a:pPr>
+            <a:r>
+              <a:rPr lang="en-GB" dirty="0">
+                <a:solidFill>
+                  <a:srgbClr val="0070C0"/>
+                </a:solidFill>
+              </a:rPr>
+              <a:t>        ./Example.sh  </a:t>
+            </a:r>
+            <a:r>
+              <a:rPr lang="en-GB" dirty="0"/>
+              <a:t>(this dot slash, just means “here”)</a:t>
+            </a:r>
+          </a:p>
+          <a:p>
+            <a:pPr marL="0" indent="0">
+              <a:buNone/>
+            </a:pPr>
+            <a:endParaRPr lang="en-GB" dirty="0">
+              <a:solidFill>
+                <a:srgbClr val="0070C0"/>
+              </a:solidFill>
+            </a:endParaRPr>
+          </a:p>
+          <a:p>
+            <a:r>
+              <a:rPr lang="en-GB" dirty="0"/>
+              <a:t>This should just print “</a:t>
+            </a:r>
+            <a:r>
+              <a:rPr lang="en-GB" i="1" dirty="0"/>
+              <a:t>something</a:t>
+            </a:r>
+            <a:r>
+              <a:rPr lang="en-GB" dirty="0"/>
+              <a:t>” to the screen using the </a:t>
+            </a:r>
+            <a:r>
+              <a:rPr lang="en-GB" dirty="0">
+                <a:solidFill>
+                  <a:srgbClr val="0070C0"/>
+                </a:solidFill>
+              </a:rPr>
+              <a:t>echo</a:t>
+            </a:r>
+            <a:r>
+              <a:rPr lang="en-GB" dirty="0"/>
+              <a:t> command.</a:t>
+            </a:r>
+          </a:p>
+          <a:p>
+            <a:pPr marL="0" indent="0">
+              <a:buNone/>
+            </a:pPr>
+            <a:r>
+              <a:rPr lang="en-GB" dirty="0"/>
+              <a:t>Change this and try again. (to save in </a:t>
+            </a:r>
             <a:r>
               <a:rPr lang="en-GB" dirty="0" err="1"/>
-              <a:t>Fastqc</a:t>
+              <a:t>nano</a:t>
             </a:r>
             <a:r>
               <a:rPr lang="en-GB" dirty="0"/>
-              <a:t> on real Illumina data. Open the </a:t>
+              <a:t>: type </a:t>
             </a:r>
             <a:r>
               <a:rPr lang="en-GB" dirty="0">
                 <a:solidFill>
-                  <a:srgbClr val="00B050"/>
-                </a:solidFill>
-              </a:rPr>
-              <a:t>FastQC.sh </a:t>
+                  <a:srgbClr val="0070C0"/>
+                </a:solidFill>
+              </a:rPr>
+              <a:t>ctrl x</a:t>
             </a:r>
             <a:r>
               <a:rPr lang="en-GB" dirty="0"/>
-              <a:t>file</a:t>
-            </a:r>
-          </a:p>
-          <a:p>
+              <a:t>, then </a:t>
+            </a:r>
+            <a:r>
+              <a:rPr lang="en-GB" dirty="0">
+                <a:solidFill>
+                  <a:srgbClr val="0070C0"/>
+                </a:solidFill>
+              </a:rPr>
+              <a:t>y</a:t>
+            </a:r>
+            <a:r>
+              <a:rPr lang="en-GB" dirty="0"/>
+              <a:t> for yes, </a:t>
+            </a:r>
+            <a:r>
+              <a:rPr lang="en-GB" dirty="0">
+                <a:solidFill>
+                  <a:srgbClr val="0070C0"/>
+                </a:solidFill>
+              </a:rPr>
+              <a:t>enter</a:t>
+            </a:r>
+            <a:r>
+              <a:rPr lang="en-GB" dirty="0"/>
+              <a:t>)</a:t>
+            </a:r>
+          </a:p>
+          <a:p>
+            <a:pPr marL="0" indent="0">
+              <a:buNone/>
+            </a:pPr>
             <a:endParaRPr lang="en-GB" dirty="0"/>
           </a:p>
           <a:p>
@@ -3919,117 +4157,17 @@
                   <a:srgbClr val="0070C0"/>
                 </a:solidFill>
               </a:rPr>
-              <a:t>        cd /storage/home/users/${USER}/</a:t>
-            </a:r>
-            <a:r>
-              <a:rPr lang="en-GB" dirty="0" err="1">
-                <a:solidFill>
-                  <a:srgbClr val="0070C0"/>
-                </a:solidFill>
-              </a:rPr>
-              <a:t>Msc_Digital_Health</a:t>
-            </a:r>
-            <a:r>
-              <a:rPr lang="en-GB" dirty="0">
-                <a:solidFill>
-                  <a:srgbClr val="0070C0"/>
-                </a:solidFill>
-              </a:rPr>
-              <a:t>/</a:t>
-            </a:r>
-            <a:r>
-              <a:rPr lang="en-GB" dirty="0" err="1">
-                <a:solidFill>
-                  <a:srgbClr val="0070C0"/>
-                </a:solidFill>
-              </a:rPr>
-              <a:t>shell_scripts</a:t>
-            </a:r>
-            <a:r>
-              <a:rPr lang="en-GB" dirty="0">
-                <a:solidFill>
-                  <a:srgbClr val="0070C0"/>
-                </a:solidFill>
-              </a:rPr>
-              <a:t>     </a:t>
-            </a:r>
-          </a:p>
-          <a:p>
-            <a:pPr marL="0" indent="0">
-              <a:buNone/>
-            </a:pPr>
-            <a:r>
-              <a:rPr lang="en-GB" dirty="0">
-                <a:solidFill>
-                  <a:srgbClr val="0070C0"/>
-                </a:solidFill>
-              </a:rPr>
-              <a:t>	</a:t>
-            </a:r>
-            <a:r>
-              <a:rPr lang="en-GB" dirty="0">
-                <a:solidFill>
-                  <a:srgbClr val="FF0000"/>
-                </a:solidFill>
-              </a:rPr>
-              <a:t>(tip: tab name completion…)</a:t>
-            </a:r>
-            <a:endParaRPr lang="en-GB" dirty="0"/>
-          </a:p>
-          <a:p>
-            <a:pPr marL="0" indent="0">
-              <a:buNone/>
-            </a:pPr>
-            <a:r>
-              <a:rPr lang="en-GB" dirty="0">
-                <a:solidFill>
-                  <a:srgbClr val="0070C0"/>
-                </a:solidFill>
-              </a:rPr>
-              <a:t>        </a:t>
-            </a:r>
-            <a:r>
-              <a:rPr lang="en-GB" dirty="0" err="1">
-                <a:solidFill>
-                  <a:srgbClr val="0070C0"/>
-                </a:solidFill>
-              </a:rPr>
-              <a:t>nano</a:t>
-            </a:r>
-            <a:r>
-              <a:rPr lang="en-GB" dirty="0">
-                <a:solidFill>
-                  <a:srgbClr val="0070C0"/>
-                </a:solidFill>
-              </a:rPr>
-              <a:t> FastQC.sh  </a:t>
-            </a:r>
-          </a:p>
-          <a:p>
-            <a:endParaRPr lang="en-GB" sz="2000" dirty="0"/>
-          </a:p>
-          <a:p>
-            <a:r>
-              <a:rPr lang="en-GB" dirty="0"/>
-              <a:t> This script loads a module called </a:t>
-            </a:r>
-            <a:r>
-              <a:rPr lang="en-GB" dirty="0" err="1"/>
-              <a:t>fastqc</a:t>
-            </a:r>
-            <a:endParaRPr lang="en-GB" dirty="0"/>
-          </a:p>
-          <a:p>
-            <a:endParaRPr lang="en-GB" sz="1000" dirty="0"/>
-          </a:p>
-        </p:txBody>
-      </p:sp>
-      <p:sp>
-        <p:nvSpPr>
-          <p:cNvPr id="6" name="TextBox 5">
-            <a:extLst>
-              <a:ext uri="{FF2B5EF4-FFF2-40B4-BE49-F238E27FC236}">
-                <a16:creationId xmlns:a16="http://schemas.microsoft.com/office/drawing/2014/main" id="{E116F140-36DE-4AFB-BDE8-E1C2676C31C1}"/>
+              <a:t>        echo “something in quotes - boom”</a:t>
+            </a:r>
+          </a:p>
+        </p:txBody>
+      </p:sp>
+      <p:sp>
+        <p:nvSpPr>
+          <p:cNvPr id="4" name="TextBox 3">
+            <a:extLst>
+              <a:ext uri="{FF2B5EF4-FFF2-40B4-BE49-F238E27FC236}">
+                <a16:creationId xmlns:a16="http://schemas.microsoft.com/office/drawing/2014/main" id="{B4662B38-7115-424B-8193-AB38552519CD}"/>
               </a:ext>
             </a:extLst>
           </p:cNvPr>
@@ -4077,7 +4215,7 @@
     </p:spTree>
     <p:extLst>
       <p:ext uri="{BB962C8B-B14F-4D97-AF65-F5344CB8AC3E}">
-        <p14:creationId xmlns:p14="http://schemas.microsoft.com/office/powerpoint/2010/main" val="3892780945"/>
+        <p14:creationId xmlns:p14="http://schemas.microsoft.com/office/powerpoint/2010/main" val="2322820562"/>
       </p:ext>
     </p:extLst>
   </p:cSld>
@@ -4122,8 +4260,8 @@
         </p:nvSpPr>
         <p:spPr>
           <a:xfrm>
-            <a:off x="-495300" y="-78007"/>
-            <a:ext cx="12192000" cy="1325563"/>
+            <a:off x="-1257300" y="-78007"/>
+            <a:ext cx="12954000" cy="1325563"/>
           </a:xfrm>
         </p:spPr>
         <p:txBody>
@@ -4176,7 +4314,7 @@
         </p:nvSpPr>
         <p:spPr>
           <a:xfrm>
-            <a:off x="152400" y="928688"/>
+            <a:off x="161925" y="1185862"/>
             <a:ext cx="11036300" cy="4486275"/>
           </a:xfrm>
         </p:spPr>
@@ -4208,161 +4346,120 @@
             </a:r>
           </a:p>
           <a:p>
+            <a:endParaRPr lang="en-GB" dirty="0"/>
+          </a:p>
+          <a:p>
+            <a:pPr marL="0" indent="0">
+              <a:buNone/>
+            </a:pPr>
+            <a:r>
+              <a:rPr lang="en-GB" dirty="0">
+                <a:solidFill>
+                  <a:srgbClr val="0070C0"/>
+                </a:solidFill>
+              </a:rPr>
+              <a:t>        cd /storage/home/users/${USER}/</a:t>
+            </a:r>
             <a:r>
               <a:rPr lang="en-GB" dirty="0" err="1">
                 <a:solidFill>
-                  <a:schemeClr val="accent1"/>
-                </a:solidFill>
-              </a:rPr>
-              <a:t>moduleav</a:t>
-            </a:r>
+                  <a:srgbClr val="0070C0"/>
+                </a:solidFill>
+              </a:rPr>
+              <a:t>Msc_Digital_Health</a:t>
+            </a:r>
+            <a:r>
+              <a:rPr lang="en-GB" dirty="0">
+                <a:solidFill>
+                  <a:srgbClr val="0070C0"/>
+                </a:solidFill>
+              </a:rPr>
+              <a:t>/</a:t>
+            </a:r>
+            <a:r>
+              <a:rPr lang="en-GB" dirty="0" err="1">
+                <a:solidFill>
+                  <a:srgbClr val="0070C0"/>
+                </a:solidFill>
+              </a:rPr>
+              <a:t>shell_scripts</a:t>
+            </a:r>
+            <a:r>
+              <a:rPr lang="en-GB" dirty="0">
+                <a:solidFill>
+                  <a:srgbClr val="0070C0"/>
+                </a:solidFill>
+              </a:rPr>
+              <a:t>     </a:t>
+            </a:r>
+          </a:p>
+          <a:p>
+            <a:pPr marL="0" indent="0">
+              <a:buNone/>
+            </a:pPr>
+            <a:r>
+              <a:rPr lang="en-GB" dirty="0">
+                <a:solidFill>
+                  <a:srgbClr val="0070C0"/>
+                </a:solidFill>
+              </a:rPr>
+              <a:t>	</a:t>
+            </a:r>
+            <a:r>
+              <a:rPr lang="en-GB" dirty="0">
+                <a:solidFill>
+                  <a:srgbClr val="FF0000"/>
+                </a:solidFill>
+              </a:rPr>
+              <a:t>(tip: tab name completion…)</a:t>
+            </a:r>
+            <a:endParaRPr lang="en-GB" dirty="0"/>
+          </a:p>
+          <a:p>
+            <a:pPr marL="0" indent="0">
+              <a:buNone/>
+            </a:pPr>
+            <a:r>
+              <a:rPr lang="en-GB" dirty="0">
+                <a:solidFill>
+                  <a:srgbClr val="0070C0"/>
+                </a:solidFill>
+              </a:rPr>
+              <a:t>        </a:t>
+            </a:r>
+            <a:r>
+              <a:rPr lang="en-GB" dirty="0" err="1">
+                <a:solidFill>
+                  <a:srgbClr val="0070C0"/>
+                </a:solidFill>
+              </a:rPr>
+              <a:t>nano</a:t>
+            </a:r>
+            <a:r>
+              <a:rPr lang="en-GB" dirty="0">
+                <a:solidFill>
+                  <a:srgbClr val="0070C0"/>
+                </a:solidFill>
+              </a:rPr>
+              <a:t> FastQC.sh  </a:t>
+            </a:r>
+          </a:p>
+          <a:p>
+            <a:endParaRPr lang="en-GB" sz="2000" dirty="0"/>
+          </a:p>
+          <a:p>
             <a:r>
               <a:rPr lang="en-GB" dirty="0"/>
-              <a:t>     (see a list of pre installed programs/ modules).</a:t>
-            </a:r>
-          </a:p>
-        </p:txBody>
-      </p:sp>
-      <p:pic>
-        <p:nvPicPr>
-          <p:cNvPr id="4" name="Picture 3">
-            <a:extLst>
-              <a:ext uri="{FF2B5EF4-FFF2-40B4-BE49-F238E27FC236}">
-                <a16:creationId xmlns:a16="http://schemas.microsoft.com/office/drawing/2014/main" id="{EAF3628D-06FA-4587-995D-18179A37861B}"/>
-              </a:ext>
-            </a:extLst>
-          </p:cNvPr>
-          <p:cNvPicPr>
-            <a:picLocks noChangeAspect="1"/>
-          </p:cNvPicPr>
-          <p:nvPr/>
-        </p:nvPicPr>
-        <p:blipFill rotWithShape="1">
-          <a:blip r:embed="rId2">
-            <a:extLst>
-              <a:ext uri="{28A0092B-C50C-407E-A947-70E740481C1C}">
-                <a14:useLocalDpi xmlns:a14="http://schemas.microsoft.com/office/drawing/2010/main" val="0"/>
-              </a:ext>
-            </a:extLst>
-          </a:blip>
-          <a:srcRect/>
-          <a:stretch/>
-        </p:blipFill>
-        <p:spPr>
-          <a:xfrm>
-            <a:off x="88232" y="2450598"/>
-            <a:ext cx="7975600" cy="5809033"/>
-          </a:xfrm>
-          <a:prstGeom prst="rect">
-            <a:avLst/>
-          </a:prstGeom>
-        </p:spPr>
-      </p:pic>
-      <p:sp>
-        <p:nvSpPr>
-          <p:cNvPr id="5" name="Rectangle 4">
-            <a:extLst>
-              <a:ext uri="{FF2B5EF4-FFF2-40B4-BE49-F238E27FC236}">
-                <a16:creationId xmlns:a16="http://schemas.microsoft.com/office/drawing/2014/main" id="{B2C3E9B6-9367-4A87-8175-A1A29D5EAF12}"/>
-              </a:ext>
-            </a:extLst>
-          </p:cNvPr>
-          <p:cNvSpPr/>
-          <p:nvPr/>
-        </p:nvSpPr>
-        <p:spPr>
-          <a:xfrm>
-            <a:off x="8128000" y="2450598"/>
-            <a:ext cx="3746500" cy="2246769"/>
-          </a:xfrm>
-          <a:prstGeom prst="rect">
-            <a:avLst/>
-          </a:prstGeom>
-        </p:spPr>
-        <p:txBody>
-          <a:bodyPr wrap="square">
-            <a:spAutoFit/>
-          </a:bodyPr>
-          <a:lstStyle/>
-          <a:p>
-            <a:r>
-              <a:rPr lang="en-GB" sz="2000" dirty="0"/>
-              <a:t>To load any of these programs from the list, e.g.</a:t>
-            </a:r>
-          </a:p>
-          <a:p>
-            <a:r>
-              <a:rPr lang="en-GB" sz="2000" dirty="0">
-                <a:solidFill>
-                  <a:schemeClr val="accent1"/>
-                </a:solidFill>
-              </a:rPr>
-              <a:t>module load </a:t>
-            </a:r>
-            <a:r>
-              <a:rPr lang="en-GB" sz="2000" dirty="0" err="1">
-                <a:solidFill>
-                  <a:schemeClr val="accent1"/>
-                </a:solidFill>
-              </a:rPr>
-              <a:t>name_of_package</a:t>
-            </a:r>
-            <a:endParaRPr lang="en-GB" sz="2000" dirty="0">
-              <a:solidFill>
-                <a:schemeClr val="accent1"/>
-              </a:solidFill>
-            </a:endParaRPr>
-          </a:p>
-          <a:p>
-            <a:endParaRPr lang="en-GB" sz="2000" dirty="0">
-              <a:solidFill>
-                <a:schemeClr val="accent1"/>
-              </a:solidFill>
-            </a:endParaRPr>
-          </a:p>
-          <a:p>
-            <a:r>
-              <a:rPr lang="en-GB" sz="2000" dirty="0">
-                <a:solidFill>
-                  <a:schemeClr val="accent1"/>
-                </a:solidFill>
-              </a:rPr>
-              <a:t>module load name/version</a:t>
-            </a:r>
-            <a:endParaRPr lang="en-GB" sz="2000" dirty="0"/>
-          </a:p>
-          <a:p>
-            <a:endParaRPr lang="en-GB" sz="2000" dirty="0">
-              <a:solidFill>
-                <a:schemeClr val="accent1"/>
-              </a:solidFill>
-            </a:endParaRPr>
-          </a:p>
-          <a:p>
-            <a:r>
-              <a:rPr lang="en-GB" sz="2000" dirty="0">
-                <a:solidFill>
-                  <a:schemeClr val="accent1"/>
-                </a:solidFill>
-              </a:rPr>
-              <a:t>module load </a:t>
-            </a:r>
-            <a:r>
-              <a:rPr lang="en-GB" sz="2000" dirty="0" err="1">
-                <a:solidFill>
-                  <a:schemeClr val="accent1"/>
-                </a:solidFill>
-              </a:rPr>
-              <a:t>MUMmer</a:t>
-            </a:r>
-            <a:r>
-              <a:rPr lang="en-GB" sz="2000" dirty="0">
-                <a:solidFill>
-                  <a:schemeClr val="accent1"/>
-                </a:solidFill>
-              </a:rPr>
-              <a:t>/3.23</a:t>
-            </a:r>
+              <a:t> This script loads a module called </a:t>
+            </a:r>
+            <a:r>
+              <a:rPr lang="en-GB" dirty="0" err="1"/>
+              <a:t>fastqc</a:t>
+            </a:r>
+            <a:endParaRPr lang="en-GB" dirty="0"/>
+          </a:p>
+          <a:p>
+            <a:endParaRPr lang="en-GB" sz="1000" dirty="0"/>
           </a:p>
         </p:txBody>
       </p:sp>
@@ -4419,7 +4516,7 @@
     </p:spTree>
     <p:extLst>
       <p:ext uri="{BB962C8B-B14F-4D97-AF65-F5344CB8AC3E}">
-        <p14:creationId xmlns:p14="http://schemas.microsoft.com/office/powerpoint/2010/main" val="4097796142"/>
+        <p14:creationId xmlns:p14="http://schemas.microsoft.com/office/powerpoint/2010/main" val="3892780945"/>
       </p:ext>
     </p:extLst>
   </p:cSld>
@@ -4464,6 +4561,348 @@
         </p:nvSpPr>
         <p:spPr>
           <a:xfrm>
+            <a:off x="-495300" y="-78007"/>
+            <a:ext cx="12192000" cy="1325563"/>
+          </a:xfrm>
+        </p:spPr>
+        <p:txBody>
+          <a:bodyPr/>
+          <a:lstStyle/>
+          <a:p>
+            <a:pPr algn="ctr"/>
+            <a:r>
+              <a:rPr lang="en-GB" dirty="0">
+                <a:solidFill>
+                  <a:srgbClr val="7030A0"/>
+                </a:solidFill>
+              </a:rPr>
+              <a:t>4) Shell scripting/ </a:t>
+            </a:r>
+            <a:r>
+              <a:rPr lang="en-GB" dirty="0" err="1">
+                <a:solidFill>
+                  <a:srgbClr val="7030A0"/>
+                </a:solidFill>
+              </a:rPr>
+              <a:t>qsub</a:t>
+            </a:r>
+            <a:r>
+              <a:rPr lang="en-GB" dirty="0">
+                <a:solidFill>
+                  <a:srgbClr val="7030A0"/>
+                </a:solidFill>
+              </a:rPr>
+              <a:t>: Run something useful</a:t>
+            </a:r>
+          </a:p>
+        </p:txBody>
+      </p:sp>
+      <p:sp>
+        <p:nvSpPr>
+          <p:cNvPr id="3" name="Content Placeholder 2">
+            <a:extLst>
+              <a:ext uri="{FF2B5EF4-FFF2-40B4-BE49-F238E27FC236}">
+                <a16:creationId xmlns:a16="http://schemas.microsoft.com/office/drawing/2014/main" id="{E1355657-ACC7-4163-88F9-88811068852A}"/>
+              </a:ext>
+            </a:extLst>
+          </p:cNvPr>
+          <p:cNvSpPr>
+            <a:spLocks noGrp="1"/>
+          </p:cNvSpPr>
+          <p:nvPr>
+            <p:ph idx="1"/>
+          </p:nvPr>
+        </p:nvSpPr>
+        <p:spPr>
+          <a:xfrm>
+            <a:off x="152400" y="928688"/>
+            <a:ext cx="11036300" cy="4486275"/>
+          </a:xfrm>
+        </p:spPr>
+        <p:txBody>
+          <a:bodyPr>
+            <a:normAutofit/>
+          </a:bodyPr>
+          <a:lstStyle/>
+          <a:p>
+            <a:r>
+              <a:rPr lang="en-GB" dirty="0" err="1"/>
+              <a:t>Fastqc</a:t>
+            </a:r>
+            <a:r>
+              <a:rPr lang="en-GB" dirty="0"/>
+              <a:t> on real Illumina data. Open the </a:t>
+            </a:r>
+            <a:r>
+              <a:rPr lang="en-GB" dirty="0">
+                <a:solidFill>
+                  <a:srgbClr val="00B050"/>
+                </a:solidFill>
+              </a:rPr>
+              <a:t>FastQC.sh </a:t>
+            </a:r>
+            <a:r>
+              <a:rPr lang="en-GB" dirty="0"/>
+              <a:t>file</a:t>
+            </a:r>
+          </a:p>
+          <a:p>
+            <a:r>
+              <a:rPr lang="en-GB" dirty="0" err="1">
+                <a:solidFill>
+                  <a:schemeClr val="accent1"/>
+                </a:solidFill>
+              </a:rPr>
+              <a:t>moduleav</a:t>
+            </a:r>
+            <a:r>
+              <a:rPr lang="en-GB" dirty="0"/>
+              <a:t>     (see a list of pre installed programs/ modules).</a:t>
+            </a:r>
+          </a:p>
+        </p:txBody>
+      </p:sp>
+      <p:pic>
+        <p:nvPicPr>
+          <p:cNvPr id="4" name="Picture 3">
+            <a:extLst>
+              <a:ext uri="{FF2B5EF4-FFF2-40B4-BE49-F238E27FC236}">
+                <a16:creationId xmlns:a16="http://schemas.microsoft.com/office/drawing/2014/main" id="{EAF3628D-06FA-4587-995D-18179A37861B}"/>
+              </a:ext>
+            </a:extLst>
+          </p:cNvPr>
+          <p:cNvPicPr>
+            <a:picLocks noChangeAspect="1"/>
+          </p:cNvPicPr>
+          <p:nvPr/>
+        </p:nvPicPr>
+        <p:blipFill rotWithShape="1">
+          <a:blip r:embed="rId2">
+            <a:extLst>
+              <a:ext uri="{28A0092B-C50C-407E-A947-70E740481C1C}">
+                <a14:useLocalDpi xmlns:a14="http://schemas.microsoft.com/office/drawing/2010/main" val="0"/>
+              </a:ext>
+            </a:extLst>
+          </a:blip>
+          <a:srcRect/>
+          <a:stretch/>
+        </p:blipFill>
+        <p:spPr>
+          <a:xfrm>
+            <a:off x="88232" y="2450598"/>
+            <a:ext cx="7975600" cy="5809033"/>
+          </a:xfrm>
+          <a:prstGeom prst="rect">
+            <a:avLst/>
+          </a:prstGeom>
+        </p:spPr>
+      </p:pic>
+      <p:sp>
+        <p:nvSpPr>
+          <p:cNvPr id="5" name="Rectangle 4">
+            <a:extLst>
+              <a:ext uri="{FF2B5EF4-FFF2-40B4-BE49-F238E27FC236}">
+                <a16:creationId xmlns:a16="http://schemas.microsoft.com/office/drawing/2014/main" id="{B2C3E9B6-9367-4A87-8175-A1A29D5EAF12}"/>
+              </a:ext>
+            </a:extLst>
+          </p:cNvPr>
+          <p:cNvSpPr/>
+          <p:nvPr/>
+        </p:nvSpPr>
+        <p:spPr>
+          <a:xfrm>
+            <a:off x="8128000" y="2450598"/>
+            <a:ext cx="3746500" cy="2246769"/>
+          </a:xfrm>
+          <a:prstGeom prst="rect">
+            <a:avLst/>
+          </a:prstGeom>
+        </p:spPr>
+        <p:txBody>
+          <a:bodyPr wrap="square">
+            <a:spAutoFit/>
+          </a:bodyPr>
+          <a:lstStyle/>
+          <a:p>
+            <a:r>
+              <a:rPr lang="en-GB" sz="2000" dirty="0"/>
+              <a:t>To load any of these programs from the list, e.g.</a:t>
+            </a:r>
+          </a:p>
+          <a:p>
+            <a:r>
+              <a:rPr lang="en-GB" sz="2000" dirty="0">
+                <a:solidFill>
+                  <a:schemeClr val="accent1"/>
+                </a:solidFill>
+              </a:rPr>
+              <a:t>module load </a:t>
+            </a:r>
+            <a:r>
+              <a:rPr lang="en-GB" sz="2000" dirty="0" err="1">
+                <a:solidFill>
+                  <a:schemeClr val="accent1"/>
+                </a:solidFill>
+              </a:rPr>
+              <a:t>name_of_package</a:t>
+            </a:r>
+            <a:endParaRPr lang="en-GB" sz="2000" dirty="0">
+              <a:solidFill>
+                <a:schemeClr val="accent1"/>
+              </a:solidFill>
+            </a:endParaRPr>
+          </a:p>
+          <a:p>
+            <a:endParaRPr lang="en-GB" sz="2000" dirty="0">
+              <a:solidFill>
+                <a:schemeClr val="accent1"/>
+              </a:solidFill>
+            </a:endParaRPr>
+          </a:p>
+          <a:p>
+            <a:r>
+              <a:rPr lang="en-GB" sz="2000" dirty="0">
+                <a:solidFill>
+                  <a:schemeClr val="accent1"/>
+                </a:solidFill>
+              </a:rPr>
+              <a:t>module load name/version</a:t>
+            </a:r>
+            <a:endParaRPr lang="en-GB" sz="2000" dirty="0"/>
+          </a:p>
+          <a:p>
+            <a:endParaRPr lang="en-GB" sz="2000" dirty="0">
+              <a:solidFill>
+                <a:schemeClr val="accent1"/>
+              </a:solidFill>
+            </a:endParaRPr>
+          </a:p>
+          <a:p>
+            <a:r>
+              <a:rPr lang="en-GB" sz="2000" dirty="0">
+                <a:solidFill>
+                  <a:schemeClr val="accent1"/>
+                </a:solidFill>
+              </a:rPr>
+              <a:t>module load </a:t>
+            </a:r>
+            <a:r>
+              <a:rPr lang="en-GB" sz="2000" dirty="0" err="1">
+                <a:solidFill>
+                  <a:schemeClr val="accent1"/>
+                </a:solidFill>
+              </a:rPr>
+              <a:t>MUMmer</a:t>
+            </a:r>
+            <a:r>
+              <a:rPr lang="en-GB" sz="2000" dirty="0">
+                <a:solidFill>
+                  <a:schemeClr val="accent1"/>
+                </a:solidFill>
+              </a:rPr>
+              <a:t>/3.23</a:t>
+            </a:r>
+          </a:p>
+        </p:txBody>
+      </p:sp>
+      <p:sp>
+        <p:nvSpPr>
+          <p:cNvPr id="6" name="TextBox 5">
+            <a:extLst>
+              <a:ext uri="{FF2B5EF4-FFF2-40B4-BE49-F238E27FC236}">
+                <a16:creationId xmlns:a16="http://schemas.microsoft.com/office/drawing/2014/main" id="{E116F140-36DE-4AFB-BDE8-E1C2676C31C1}"/>
+              </a:ext>
+            </a:extLst>
+          </p:cNvPr>
+          <p:cNvSpPr txBox="1"/>
+          <p:nvPr/>
+        </p:nvSpPr>
+        <p:spPr>
+          <a:xfrm>
+            <a:off x="10350500" y="0"/>
+            <a:ext cx="1841500" cy="584775"/>
+          </a:xfrm>
+          <a:prstGeom prst="rect">
+            <a:avLst/>
+          </a:prstGeom>
+          <a:noFill/>
+        </p:spPr>
+        <p:txBody>
+          <a:bodyPr wrap="square" rtlCol="0">
+            <a:spAutoFit/>
+          </a:bodyPr>
+          <a:lstStyle/>
+          <a:p>
+            <a:r>
+              <a:rPr lang="en-GB" sz="3200" dirty="0">
+                <a:solidFill>
+                  <a:srgbClr val="FF0000"/>
+                </a:solidFill>
+                <a:highlight>
+                  <a:srgbClr val="FFFF00"/>
+                </a:highlight>
+              </a:rPr>
+              <a:t>ACTIVITY</a:t>
+            </a:r>
+            <a:endParaRPr lang="en-GB" sz="2800" dirty="0">
+              <a:solidFill>
+                <a:srgbClr val="FF0000"/>
+              </a:solidFill>
+              <a:highlight>
+                <a:srgbClr val="FFFF00"/>
+              </a:highlight>
+            </a:endParaRPr>
+          </a:p>
+        </p:txBody>
+      </p:sp>
+    </p:spTree>
+    <p:extLst>
+      <p:ext uri="{BB962C8B-B14F-4D97-AF65-F5344CB8AC3E}">
+        <p14:creationId xmlns:p14="http://schemas.microsoft.com/office/powerpoint/2010/main" val="4097796142"/>
+      </p:ext>
+    </p:extLst>
+  </p:cSld>
+  <p:clrMapOvr>
+    <a:masterClrMapping/>
+  </p:clrMapOvr>
+</p:sld>
+</file>
+
+<file path=ppt/slides/slide14.xml><?xml version="1.0" encoding="utf-8"?>
+<p:sld xmlns:a="http://schemas.openxmlformats.org/drawingml/2006/main" xmlns:r="http://schemas.openxmlformats.org/officeDocument/2006/relationships" xmlns:p="http://schemas.openxmlformats.org/presentationml/2006/main">
+  <p:cSld>
+    <p:spTree>
+      <p:nvGrpSpPr>
+        <p:cNvPr id="1" name=""/>
+        <p:cNvGrpSpPr/>
+        <p:nvPr/>
+      </p:nvGrpSpPr>
+      <p:grpSpPr>
+        <a:xfrm>
+          <a:off x="0" y="0"/>
+          <a:ext cx="0" cy="0"/>
+          <a:chOff x="0" y="0"/>
+          <a:chExt cx="0" cy="0"/>
+        </a:xfrm>
+      </p:grpSpPr>
+      <p:sp>
+        <p:nvSpPr>
+          <p:cNvPr id="2" name="Title 1">
+            <a:extLst>
+              <a:ext uri="{FF2B5EF4-FFF2-40B4-BE49-F238E27FC236}">
+                <a16:creationId xmlns:a16="http://schemas.microsoft.com/office/drawing/2014/main" id="{7E03E00C-44CB-43B4-AB72-A0B8C7DC8FC6}"/>
+              </a:ext>
+            </a:extLst>
+          </p:cNvPr>
+          <p:cNvSpPr>
+            <a:spLocks noGrp="1"/>
+          </p:cNvSpPr>
+          <p:nvPr>
+            <p:ph type="title"/>
+          </p:nvPr>
+        </p:nvSpPr>
+        <p:spPr>
+          <a:xfrm>
             <a:off x="-204159" y="98964"/>
             <a:ext cx="12192000" cy="1325563"/>
           </a:xfrm>
@@ -4629,7 +5068,7 @@
 </p:sld>
 </file>
 
-<file path=ppt/slides/slide14.xml><?xml version="1.0" encoding="utf-8"?>
+<file path=ppt/slides/slide15.xml><?xml version="1.0" encoding="utf-8"?>
 <p:sld xmlns:a="http://schemas.openxmlformats.org/drawingml/2006/main" xmlns:r="http://schemas.openxmlformats.org/officeDocument/2006/relationships" xmlns:p="http://schemas.openxmlformats.org/presentationml/2006/main">
   <p:cSld>
     <p:spTree>
@@ -4936,7 +5375,7 @@
 </p:sld>
 </file>
 
-<file path=ppt/slides/slide15.xml><?xml version="1.0" encoding="utf-8"?>
+<file path=ppt/slides/slide16.xml><?xml version="1.0" encoding="utf-8"?>
 <p:sld xmlns:a="http://schemas.openxmlformats.org/drawingml/2006/main" xmlns:r="http://schemas.openxmlformats.org/officeDocument/2006/relationships" xmlns:p="http://schemas.openxmlformats.org/presentationml/2006/main">
   <p:cSld>
     <p:spTree>
@@ -5244,7 +5683,7 @@
 </p:sld>
 </file>
 
-<file path=ppt/slides/slide16.xml><?xml version="1.0" encoding="utf-8"?>
+<file path=ppt/slides/slide17.xml><?xml version="1.0" encoding="utf-8"?>
 <p:sld xmlns:a="http://schemas.openxmlformats.org/drawingml/2006/main" xmlns:r="http://schemas.openxmlformats.org/officeDocument/2006/relationships" xmlns:p="http://schemas.openxmlformats.org/presentationml/2006/main">
   <p:cSld>
     <p:spTree>
@@ -5726,7 +6165,259 @@
 </p:sld>
 </file>
 
-<file path=ppt/slides/slide17.xml><?xml version="1.0" encoding="utf-8"?>
+<file path=ppt/slides/slide18.xml><?xml version="1.0" encoding="utf-8"?>
+<p:sld xmlns:a="http://schemas.openxmlformats.org/drawingml/2006/main" xmlns:r="http://schemas.openxmlformats.org/officeDocument/2006/relationships" xmlns:p="http://schemas.openxmlformats.org/presentationml/2006/main">
+  <p:cSld>
+    <p:spTree>
+      <p:nvGrpSpPr>
+        <p:cNvPr id="1" name=""/>
+        <p:cNvGrpSpPr/>
+        <p:nvPr/>
+      </p:nvGrpSpPr>
+      <p:grpSpPr>
+        <a:xfrm>
+          <a:off x="0" y="0"/>
+          <a:ext cx="0" cy="0"/>
+          <a:chOff x="0" y="0"/>
+          <a:chExt cx="0" cy="0"/>
+        </a:xfrm>
+      </p:grpSpPr>
+      <p:sp>
+        <p:nvSpPr>
+          <p:cNvPr id="2" name="Title 1">
+            <a:extLst>
+              <a:ext uri="{FF2B5EF4-FFF2-40B4-BE49-F238E27FC236}">
+                <a16:creationId xmlns:a16="http://schemas.microsoft.com/office/drawing/2014/main" id="{8A861FC2-3ADA-4FF4-86A6-E81D0CA57317}"/>
+              </a:ext>
+            </a:extLst>
+          </p:cNvPr>
+          <p:cNvSpPr>
+            <a:spLocks noGrp="1"/>
+          </p:cNvSpPr>
+          <p:nvPr>
+            <p:ph type="title"/>
+          </p:nvPr>
+        </p:nvSpPr>
+        <p:spPr>
+          <a:xfrm>
+            <a:off x="389021" y="124494"/>
+            <a:ext cx="10515600" cy="1325563"/>
+          </a:xfrm>
+        </p:spPr>
+        <p:txBody>
+          <a:bodyPr/>
+          <a:lstStyle/>
+          <a:p>
+            <a:r>
+              <a:rPr lang="en-GB" dirty="0"/>
+              <a:t>Earlier example: More fancy and </a:t>
+            </a:r>
+            <a:r>
+              <a:rPr lang="en-GB" dirty="0" err="1"/>
+              <a:t>reboust</a:t>
+            </a:r>
+            <a:r>
+              <a:rPr lang="en-GB" dirty="0"/>
+              <a:t> way of counting the reads in all files in a directory</a:t>
+            </a:r>
+          </a:p>
+        </p:txBody>
+      </p:sp>
+      <p:sp>
+        <p:nvSpPr>
+          <p:cNvPr id="3" name="Content Placeholder 2">
+            <a:extLst>
+              <a:ext uri="{FF2B5EF4-FFF2-40B4-BE49-F238E27FC236}">
+                <a16:creationId xmlns:a16="http://schemas.microsoft.com/office/drawing/2014/main" id="{C2FC134D-DB11-4E69-912B-582015DC7EDD}"/>
+              </a:ext>
+            </a:extLst>
+          </p:cNvPr>
+          <p:cNvSpPr>
+            <a:spLocks noGrp="1"/>
+          </p:cNvSpPr>
+          <p:nvPr>
+            <p:ph idx="1"/>
+          </p:nvPr>
+        </p:nvSpPr>
+        <p:spPr>
+          <a:xfrm>
+            <a:off x="260683" y="1601705"/>
+            <a:ext cx="11257547" cy="5278605"/>
+          </a:xfrm>
+        </p:spPr>
+        <p:txBody>
+          <a:bodyPr/>
+          <a:lstStyle/>
+          <a:p>
+            <a:pPr marL="0" indent="0">
+              <a:buNone/>
+            </a:pPr>
+            <a:r>
+              <a:rPr lang="en-GB" dirty="0"/>
+              <a:t>In the previous example we “grepped for a specific string. This changes between data sets, so will not always work. This example will make sense as we go through the material</a:t>
+            </a:r>
+          </a:p>
+          <a:p>
+            <a:pPr marL="0" indent="0">
+              <a:buNone/>
+            </a:pPr>
+            <a:endParaRPr lang="en-GB" dirty="0"/>
+          </a:p>
+          <a:p>
+            <a:pPr marL="0" indent="0">
+              <a:buNone/>
+            </a:pPr>
+            <a:r>
+              <a:rPr lang="en-GB" dirty="0">
+                <a:solidFill>
+                  <a:schemeClr val="accent1"/>
+                </a:solidFill>
+              </a:rPr>
+              <a:t>files=*R1.fastq.gz</a:t>
+            </a:r>
+          </a:p>
+          <a:p>
+            <a:pPr marL="0" indent="0">
+              <a:buNone/>
+            </a:pPr>
+            <a:r>
+              <a:rPr lang="en-GB" dirty="0">
+                <a:solidFill>
+                  <a:schemeClr val="accent1"/>
+                </a:solidFill>
+              </a:rPr>
+              <a:t>for f in ${files}</a:t>
+            </a:r>
+          </a:p>
+          <a:p>
+            <a:pPr marL="0" indent="0">
+              <a:buNone/>
+            </a:pPr>
+            <a:r>
+              <a:rPr lang="en-GB" dirty="0">
+                <a:solidFill>
+                  <a:schemeClr val="accent1"/>
+                </a:solidFill>
+              </a:rPr>
+              <a:t>do    </a:t>
+            </a:r>
+          </a:p>
+          <a:p>
+            <a:pPr marL="0" indent="0">
+              <a:buNone/>
+            </a:pPr>
+            <a:r>
+              <a:rPr lang="en-GB" dirty="0">
+                <a:solidFill>
+                  <a:schemeClr val="accent1"/>
+                </a:solidFill>
+              </a:rPr>
+              <a:t>	echo ${f} &gt;&gt; </a:t>
+            </a:r>
+            <a:r>
+              <a:rPr lang="en-GB" dirty="0" err="1">
+                <a:solidFill>
+                  <a:schemeClr val="accent1"/>
+                </a:solidFill>
+              </a:rPr>
+              <a:t>read_pairs.counts</a:t>
+            </a:r>
+            <a:r>
+              <a:rPr lang="en-GB" dirty="0">
+                <a:solidFill>
+                  <a:schemeClr val="accent1"/>
+                </a:solidFill>
+              </a:rPr>
+              <a:t>    </a:t>
+            </a:r>
+          </a:p>
+          <a:p>
+            <a:pPr marL="0" indent="0">
+              <a:buNone/>
+            </a:pPr>
+            <a:r>
+              <a:rPr lang="en-GB" dirty="0">
+                <a:solidFill>
+                  <a:schemeClr val="accent1"/>
+                </a:solidFill>
+              </a:rPr>
+              <a:t>	</a:t>
+            </a:r>
+            <a:r>
+              <a:rPr lang="en-GB" dirty="0" err="1">
+                <a:solidFill>
+                  <a:schemeClr val="accent1"/>
+                </a:solidFill>
+              </a:rPr>
+              <a:t>zcat</a:t>
+            </a:r>
+            <a:r>
+              <a:rPr lang="en-GB" dirty="0">
+                <a:solidFill>
+                  <a:schemeClr val="accent1"/>
+                </a:solidFill>
+              </a:rPr>
+              <a:t> ${f} | echo $((`</a:t>
+            </a:r>
+            <a:r>
+              <a:rPr lang="en-GB" dirty="0" err="1">
+                <a:solidFill>
+                  <a:schemeClr val="accent1"/>
+                </a:solidFill>
+              </a:rPr>
+              <a:t>wc</a:t>
+            </a:r>
+            <a:r>
+              <a:rPr lang="en-GB" dirty="0">
+                <a:solidFill>
+                  <a:schemeClr val="accent1"/>
+                </a:solidFill>
+              </a:rPr>
+              <a:t> -l`/4)) &gt;&gt; </a:t>
+            </a:r>
+            <a:r>
+              <a:rPr lang="en-GB" dirty="0" err="1">
+                <a:solidFill>
+                  <a:schemeClr val="accent1"/>
+                </a:solidFill>
+              </a:rPr>
+              <a:t>read_pairs.counts</a:t>
+            </a:r>
+            <a:endParaRPr lang="en-GB" dirty="0">
+              <a:solidFill>
+                <a:schemeClr val="accent1"/>
+              </a:solidFill>
+            </a:endParaRPr>
+          </a:p>
+          <a:p>
+            <a:pPr marL="0" indent="0">
+              <a:buNone/>
+            </a:pPr>
+            <a:r>
+              <a:rPr lang="en-GB" dirty="0">
+                <a:solidFill>
+                  <a:schemeClr val="accent1"/>
+                </a:solidFill>
+              </a:rPr>
+              <a:t>done</a:t>
+            </a:r>
+          </a:p>
+        </p:txBody>
+      </p:sp>
+    </p:spTree>
+    <p:extLst>
+      <p:ext uri="{BB962C8B-B14F-4D97-AF65-F5344CB8AC3E}">
+        <p14:creationId xmlns:p14="http://schemas.microsoft.com/office/powerpoint/2010/main" val="2459021013"/>
+      </p:ext>
+    </p:extLst>
+  </p:cSld>
+  <p:clrMapOvr>
+    <a:masterClrMapping/>
+  </p:clrMapOvr>
+</p:sld>
+</file>
+
+<file path=ppt/slides/slide19.xml><?xml version="1.0" encoding="utf-8"?>
 <p:sld xmlns:a="http://schemas.openxmlformats.org/drawingml/2006/main" xmlns:r="http://schemas.openxmlformats.org/officeDocument/2006/relationships" xmlns:p="http://schemas.openxmlformats.org/presentationml/2006/main">
   <p:cSld>
     <p:spTree>
@@ -6128,8 +6819,8 @@
         </p:nvSpPr>
         <p:spPr>
           <a:xfrm>
-            <a:off x="838200" y="1253331"/>
-            <a:ext cx="10515600" cy="4351338"/>
+            <a:off x="838199" y="1253331"/>
+            <a:ext cx="10936705" cy="5019132"/>
           </a:xfrm>
         </p:spPr>
         <p:txBody>
@@ -6137,23 +6828,23 @@
           <a:lstStyle/>
           <a:p>
             <a:r>
-              <a:rPr lang="en-GB" dirty="0"/>
+              <a:rPr lang="en-GB" sz="3200" dirty="0"/>
               <a:t>Act as a way for the human to tell the computer what to do. </a:t>
             </a:r>
           </a:p>
           <a:p>
             <a:r>
-              <a:rPr lang="en-GB" dirty="0"/>
+              <a:rPr lang="en-GB" sz="3200" dirty="0"/>
               <a:t>You can add multiple commands in one shell script. </a:t>
             </a:r>
           </a:p>
           <a:p>
             <a:r>
-              <a:rPr lang="en-GB" dirty="0"/>
+              <a:rPr lang="en-GB" sz="3200" dirty="0"/>
               <a:t>The easiest way to run the shell script is using the </a:t>
             </a:r>
             <a:r>
-              <a:rPr lang="en-GB" dirty="0" err="1">
+              <a:rPr lang="en-GB" sz="3200" dirty="0" err="1">
                 <a:solidFill>
                   <a:srgbClr val="0070C0"/>
                 </a:solidFill>
@@ -6161,21 +6852,21 @@
               <a:t>qsub</a:t>
             </a:r>
             <a:r>
-              <a:rPr lang="en-GB" dirty="0"/>
+              <a:rPr lang="en-GB" sz="3200" dirty="0"/>
               <a:t> manager on the cluster </a:t>
             </a:r>
             <a:r>
-              <a:rPr lang="en-GB" b="1" dirty="0"/>
+              <a:rPr lang="en-GB" sz="3200" b="1" dirty="0"/>
               <a:t>(more on this later …)</a:t>
             </a:r>
           </a:p>
           <a:p>
             <a:r>
-              <a:rPr lang="en-GB" dirty="0"/>
+              <a:rPr lang="en-GB" sz="3200" dirty="0"/>
               <a:t>Shell script filenames end in </a:t>
             </a:r>
             <a:r>
-              <a:rPr lang="en-GB" dirty="0">
+              <a:rPr lang="en-GB" sz="3200" dirty="0">
                 <a:solidFill>
                   <a:srgbClr val="FF0000"/>
                 </a:solidFill>
@@ -6183,7 +6874,7 @@
               <a:t>.</a:t>
             </a:r>
             <a:r>
-              <a:rPr lang="en-GB" dirty="0" err="1">
+              <a:rPr lang="en-GB" sz="3200" dirty="0" err="1">
                 <a:solidFill>
                   <a:srgbClr val="FF0000"/>
                 </a:solidFill>
@@ -6191,7 +6882,7 @@
               <a:t>sh</a:t>
             </a:r>
             <a:r>
-              <a:rPr lang="en-GB" dirty="0">
+              <a:rPr lang="en-GB" sz="3200" dirty="0">
                 <a:solidFill>
                   <a:srgbClr val="FF0000"/>
                 </a:solidFill>
@@ -6199,7 +6890,7 @@
               <a:t> </a:t>
             </a:r>
             <a:r>
-              <a:rPr lang="en-GB" dirty="0"/>
+              <a:rPr lang="en-GB" sz="3200" dirty="0"/>
               <a:t>and may have </a:t>
             </a:r>
           </a:p>
@@ -6208,11 +6899,11 @@
               <a:buNone/>
             </a:pPr>
             <a:r>
-              <a:rPr lang="en-GB" dirty="0"/>
+              <a:rPr lang="en-GB" sz="3200" dirty="0"/>
               <a:t>	</a:t>
             </a:r>
             <a:r>
-              <a:rPr lang="en-GB" dirty="0">
+              <a:rPr lang="en-GB" sz="3200" dirty="0">
                 <a:solidFill>
                   <a:srgbClr val="0070C0"/>
                 </a:solidFill>
@@ -6220,8 +6911,31 @@
               <a:t>#!/bin/bash </a:t>
             </a:r>
             <a:r>
-              <a:rPr lang="en-GB" dirty="0"/>
+              <a:rPr lang="en-GB" sz="3200" dirty="0"/>
               <a:t>on the first line</a:t>
+            </a:r>
+          </a:p>
+          <a:p>
+            <a:pPr marL="0" indent="0">
+              <a:buNone/>
+            </a:pPr>
+            <a:endParaRPr lang="en-GB" sz="3200" dirty="0"/>
+          </a:p>
+          <a:p>
+            <a:pPr marL="0" indent="0">
+              <a:buNone/>
+            </a:pPr>
+            <a:r>
+              <a:rPr lang="en-GB" sz="3200" dirty="0"/>
+              <a:t>#!/bin/bash this tell the computer that program to execute is </a:t>
+            </a:r>
+            <a:r>
+              <a:rPr lang="en-GB" sz="3200" dirty="0" err="1"/>
+              <a:t>is</a:t>
+            </a:r>
+            <a:r>
+              <a:rPr lang="en-GB" sz="3200" dirty="0"/>
+              <a:t> bash and this program is found in /bin/</a:t>
             </a:r>
           </a:p>
           <a:p>
@@ -6264,6 +6978,199 @@
           <p:cNvPr id="2" name="Title 1">
             <a:extLst>
               <a:ext uri="{FF2B5EF4-FFF2-40B4-BE49-F238E27FC236}">
+                <a16:creationId xmlns:a16="http://schemas.microsoft.com/office/drawing/2014/main" id="{01F2B9BE-8FBF-4860-9DE2-081F3E75F801}"/>
+              </a:ext>
+            </a:extLst>
+          </p:cNvPr>
+          <p:cNvSpPr>
+            <a:spLocks noGrp="1"/>
+          </p:cNvSpPr>
+          <p:nvPr>
+            <p:ph type="title"/>
+          </p:nvPr>
+        </p:nvSpPr>
+        <p:spPr>
+          <a:xfrm>
+            <a:off x="0" y="0"/>
+            <a:ext cx="12192000" cy="1325563"/>
+          </a:xfrm>
+        </p:spPr>
+        <p:txBody>
+          <a:bodyPr/>
+          <a:lstStyle/>
+          <a:p>
+            <a:pPr algn="ctr"/>
+            <a:r>
+              <a:rPr lang="en-GB" dirty="0">
+                <a:solidFill>
+                  <a:srgbClr val="7030A0"/>
+                </a:solidFill>
+              </a:rPr>
+              <a:t>4) Shell scripting – python versions as an example</a:t>
+            </a:r>
+          </a:p>
+        </p:txBody>
+      </p:sp>
+      <p:sp>
+        <p:nvSpPr>
+          <p:cNvPr id="3" name="Content Placeholder 2">
+            <a:extLst>
+              <a:ext uri="{FF2B5EF4-FFF2-40B4-BE49-F238E27FC236}">
+                <a16:creationId xmlns:a16="http://schemas.microsoft.com/office/drawing/2014/main" id="{7CFCBD40-4DC8-479F-8D6A-23F0926BA00D}"/>
+              </a:ext>
+            </a:extLst>
+          </p:cNvPr>
+          <p:cNvSpPr>
+            <a:spLocks noGrp="1"/>
+          </p:cNvSpPr>
+          <p:nvPr>
+            <p:ph idx="1"/>
+          </p:nvPr>
+        </p:nvSpPr>
+        <p:spPr>
+          <a:xfrm>
+            <a:off x="192505" y="1058779"/>
+            <a:ext cx="11582399" cy="5213684"/>
+          </a:xfrm>
+        </p:spPr>
+        <p:txBody>
+          <a:bodyPr>
+            <a:normAutofit fontScale="92500" lnSpcReduction="20000"/>
+          </a:bodyPr>
+          <a:lstStyle/>
+          <a:p>
+            <a:pPr marL="0" indent="0">
+              <a:buNone/>
+            </a:pPr>
+            <a:r>
+              <a:rPr lang="en-GB" dirty="0">
+                <a:solidFill>
+                  <a:schemeClr val="accent1"/>
+                </a:solidFill>
+              </a:rPr>
+              <a:t>#!/bin/bash </a:t>
+            </a:r>
+            <a:r>
+              <a:rPr lang="en-GB" dirty="0"/>
+              <a:t>this tell the computer that program to execute is </a:t>
+            </a:r>
+            <a:r>
+              <a:rPr lang="en-GB" dirty="0" err="1"/>
+              <a:t>is</a:t>
+            </a:r>
+            <a:r>
+              <a:rPr lang="en-GB" dirty="0"/>
+              <a:t> bash and this program is found in /bin/</a:t>
+            </a:r>
+          </a:p>
+          <a:p>
+            <a:pPr marL="0" indent="0">
+              <a:buNone/>
+            </a:pPr>
+            <a:endParaRPr lang="en-GB" sz="3200" dirty="0"/>
+          </a:p>
+          <a:p>
+            <a:pPr marL="0" indent="0">
+              <a:buNone/>
+            </a:pPr>
+            <a:r>
+              <a:rPr lang="en-GB" sz="3200" dirty="0"/>
+              <a:t>Another example would be at the top of your python scripts (python scripting, not shell – but the same principle):</a:t>
+            </a:r>
+          </a:p>
+          <a:p>
+            <a:pPr marL="0" indent="0">
+              <a:buNone/>
+            </a:pPr>
+            <a:endParaRPr lang="en-GB" sz="3200" dirty="0"/>
+          </a:p>
+          <a:p>
+            <a:pPr marL="0" indent="0">
+              <a:buNone/>
+            </a:pPr>
+            <a:r>
+              <a:rPr lang="en-GB" sz="3200" dirty="0">
+                <a:solidFill>
+                  <a:schemeClr val="accent1"/>
+                </a:solidFill>
+              </a:rPr>
+              <a:t>#!/usr/bin/env python3</a:t>
+            </a:r>
+          </a:p>
+          <a:p>
+            <a:pPr marL="0" indent="0">
+              <a:buNone/>
+            </a:pPr>
+            <a:endParaRPr lang="en-GB" sz="3200" dirty="0"/>
+          </a:p>
+          <a:p>
+            <a:pPr marL="0" indent="0">
+              <a:buNone/>
+            </a:pPr>
+            <a:r>
+              <a:rPr lang="en-GB" sz="3200" dirty="0"/>
+              <a:t>You can mix python versions within the same software (if you have dependencies that will only work with python 2, for example) by doing this</a:t>
+            </a:r>
+          </a:p>
+          <a:p>
+            <a:pPr marL="0" indent="0">
+              <a:buNone/>
+            </a:pPr>
+            <a:endParaRPr lang="en-GB" sz="3200" dirty="0"/>
+          </a:p>
+          <a:p>
+            <a:pPr marL="0" indent="0">
+              <a:buNone/>
+            </a:pPr>
+            <a:r>
+              <a:rPr lang="en-GB" sz="3200" dirty="0">
+                <a:solidFill>
+                  <a:schemeClr val="accent1"/>
+                </a:solidFill>
+              </a:rPr>
+              <a:t>#!/usr/bin/env python2</a:t>
+            </a:r>
+          </a:p>
+          <a:p>
+            <a:endParaRPr lang="en-GB" dirty="0"/>
+          </a:p>
+        </p:txBody>
+      </p:sp>
+    </p:spTree>
+    <p:extLst>
+      <p:ext uri="{BB962C8B-B14F-4D97-AF65-F5344CB8AC3E}">
+        <p14:creationId xmlns:p14="http://schemas.microsoft.com/office/powerpoint/2010/main" val="3360183250"/>
+      </p:ext>
+    </p:extLst>
+  </p:cSld>
+  <p:clrMapOvr>
+    <a:masterClrMapping/>
+  </p:clrMapOvr>
+</p:sld>
+</file>
+
+<file path=ppt/slides/slide4.xml><?xml version="1.0" encoding="utf-8"?>
+<p:sld xmlns:a="http://schemas.openxmlformats.org/drawingml/2006/main" xmlns:r="http://schemas.openxmlformats.org/officeDocument/2006/relationships" xmlns:p="http://schemas.openxmlformats.org/presentationml/2006/main">
+  <p:cSld>
+    <p:spTree>
+      <p:nvGrpSpPr>
+        <p:cNvPr id="1" name=""/>
+        <p:cNvGrpSpPr/>
+        <p:nvPr/>
+      </p:nvGrpSpPr>
+      <p:grpSpPr>
+        <a:xfrm>
+          <a:off x="0" y="0"/>
+          <a:ext cx="0" cy="0"/>
+          <a:chOff x="0" y="0"/>
+          <a:chExt cx="0" cy="0"/>
+        </a:xfrm>
+      </p:grpSpPr>
+      <p:sp>
+        <p:nvSpPr>
+          <p:cNvPr id="2" name="Title 1">
+            <a:extLst>
+              <a:ext uri="{FF2B5EF4-FFF2-40B4-BE49-F238E27FC236}">
                 <a16:creationId xmlns:a16="http://schemas.microsoft.com/office/drawing/2014/main" id="{5ECE6CC0-E480-4C0D-BAC9-27356C5EBB65}"/>
               </a:ext>
             </a:extLst>
@@ -6648,7 +7555,7 @@
 </p:sld>
 </file>
 
-<file path=ppt/slides/slide4.xml><?xml version="1.0" encoding="utf-8"?>
+<file path=ppt/slides/slide5.xml><?xml version="1.0" encoding="utf-8"?>
 <p:sld xmlns:a="http://schemas.openxmlformats.org/drawingml/2006/main" xmlns:r="http://schemas.openxmlformats.org/officeDocument/2006/relationships" xmlns:p="http://schemas.openxmlformats.org/presentationml/2006/main">
   <p:cSld>
     <p:spTree>
@@ -7130,7 +8037,7 @@
 </p:sld>
 </file>
 
-<file path=ppt/slides/slide5.xml><?xml version="1.0" encoding="utf-8"?>
+<file path=ppt/slides/slide6.xml><?xml version="1.0" encoding="utf-8"?>
 <p:sld xmlns:a="http://schemas.openxmlformats.org/drawingml/2006/main" xmlns:r="http://schemas.openxmlformats.org/officeDocument/2006/relationships" xmlns:p="http://schemas.openxmlformats.org/presentationml/2006/main">
   <p:cSld>
     <p:spTree>
@@ -7323,7 +8230,7 @@
 </p:sld>
 </file>
 
-<file path=ppt/slides/slide6.xml><?xml version="1.0" encoding="utf-8"?>
+<file path=ppt/slides/slide7.xml><?xml version="1.0" encoding="utf-8"?>
 <p:sld xmlns:a="http://schemas.openxmlformats.org/drawingml/2006/main" xmlns:r="http://schemas.openxmlformats.org/officeDocument/2006/relationships" xmlns:p="http://schemas.openxmlformats.org/presentationml/2006/main">
   <p:cSld>
     <p:spTree>
@@ -7699,354 +8606,6 @@
 </p:sld>
 </file>
 
-<file path=ppt/slides/slide7.xml><?xml version="1.0" encoding="utf-8"?>
-<p:sld xmlns:a="http://schemas.openxmlformats.org/drawingml/2006/main" xmlns:r="http://schemas.openxmlformats.org/officeDocument/2006/relationships" xmlns:p="http://schemas.openxmlformats.org/presentationml/2006/main">
-  <p:cSld>
-    <p:spTree>
-      <p:nvGrpSpPr>
-        <p:cNvPr id="1" name=""/>
-        <p:cNvGrpSpPr/>
-        <p:nvPr/>
-      </p:nvGrpSpPr>
-      <p:grpSpPr>
-        <a:xfrm>
-          <a:off x="0" y="0"/>
-          <a:ext cx="0" cy="0"/>
-          <a:chOff x="0" y="0"/>
-          <a:chExt cx="0" cy="0"/>
-        </a:xfrm>
-      </p:grpSpPr>
-      <p:sp>
-        <p:nvSpPr>
-          <p:cNvPr id="2" name="Title 1">
-            <a:extLst>
-              <a:ext uri="{FF2B5EF4-FFF2-40B4-BE49-F238E27FC236}">
-                <a16:creationId xmlns:a16="http://schemas.microsoft.com/office/drawing/2014/main" id="{8855E32C-F685-402A-A06D-3501A3000227}"/>
-              </a:ext>
-            </a:extLst>
-          </p:cNvPr>
-          <p:cNvSpPr>
-            <a:spLocks noGrp="1"/>
-          </p:cNvSpPr>
-          <p:nvPr>
-            <p:ph type="title"/>
-          </p:nvPr>
-        </p:nvSpPr>
-        <p:spPr>
-          <a:xfrm>
-            <a:off x="-352423" y="-155575"/>
-            <a:ext cx="11515723" cy="1325563"/>
-          </a:xfrm>
-        </p:spPr>
-        <p:txBody>
-          <a:bodyPr/>
-          <a:lstStyle/>
-          <a:p>
-            <a:pPr algn="ctr"/>
-            <a:r>
-              <a:rPr lang="en-GB" dirty="0">
-                <a:solidFill>
-                  <a:srgbClr val="7030A0"/>
-                </a:solidFill>
-              </a:rPr>
-              <a:t>4) Shell scripting: </a:t>
-            </a:r>
-            <a:r>
-              <a:rPr lang="en-GB" dirty="0" err="1">
-                <a:solidFill>
-                  <a:srgbClr val="7030A0"/>
-                </a:solidFill>
-              </a:rPr>
-              <a:t>nano</a:t>
-            </a:r>
-            <a:r>
-              <a:rPr lang="en-GB" dirty="0">
-                <a:solidFill>
-                  <a:srgbClr val="7030A0"/>
-                </a:solidFill>
-              </a:rPr>
-              <a:t> command line editor</a:t>
-            </a:r>
-          </a:p>
-        </p:txBody>
-      </p:sp>
-      <p:sp>
-        <p:nvSpPr>
-          <p:cNvPr id="3" name="Content Placeholder 2">
-            <a:extLst>
-              <a:ext uri="{FF2B5EF4-FFF2-40B4-BE49-F238E27FC236}">
-                <a16:creationId xmlns:a16="http://schemas.microsoft.com/office/drawing/2014/main" id="{71E90A55-B2F4-457C-A749-172D08E80ABC}"/>
-              </a:ext>
-            </a:extLst>
-          </p:cNvPr>
-          <p:cNvSpPr>
-            <a:spLocks noGrp="1"/>
-          </p:cNvSpPr>
-          <p:nvPr>
-            <p:ph idx="1"/>
-          </p:nvPr>
-        </p:nvSpPr>
-        <p:spPr>
-          <a:xfrm>
-            <a:off x="409937" y="1107272"/>
-            <a:ext cx="10515600" cy="4351338"/>
-          </a:xfrm>
-        </p:spPr>
-        <p:txBody>
-          <a:bodyPr/>
-          <a:lstStyle/>
-          <a:p>
-            <a:r>
-              <a:rPr lang="en-GB" dirty="0" err="1"/>
-              <a:t>nano</a:t>
-            </a:r>
-            <a:r>
-              <a:rPr lang="en-GB" dirty="0"/>
-              <a:t> by default is black and white. However if you want colours, which I do, copy the </a:t>
-            </a:r>
-            <a:r>
-              <a:rPr lang="en-GB" dirty="0">
-                <a:solidFill>
-                  <a:srgbClr val="FF0000"/>
-                </a:solidFill>
-              </a:rPr>
-              <a:t>.</a:t>
-            </a:r>
-            <a:r>
-              <a:rPr lang="en-GB" dirty="0" err="1">
-                <a:solidFill>
-                  <a:srgbClr val="FF0000"/>
-                </a:solidFill>
-              </a:rPr>
-              <a:t>nanorc</a:t>
-            </a:r>
-            <a:r>
-              <a:rPr lang="en-GB" dirty="0">
-                <a:solidFill>
-                  <a:srgbClr val="FF0000"/>
-                </a:solidFill>
-              </a:rPr>
-              <a:t> </a:t>
-            </a:r>
-            <a:r>
-              <a:rPr lang="en-GB" dirty="0"/>
-              <a:t>file from with the ./</a:t>
-            </a:r>
-            <a:r>
-              <a:rPr lang="en-GB" dirty="0" err="1"/>
-              <a:t>Msc_Digital_Health</a:t>
-            </a:r>
-            <a:r>
-              <a:rPr lang="en-GB" dirty="0"/>
-              <a:t> folder to your home directory:</a:t>
-            </a:r>
-          </a:p>
-          <a:p>
-            <a:endParaRPr lang="en-GB" dirty="0"/>
-          </a:p>
-          <a:p>
-            <a:pPr marL="0" indent="0">
-              <a:buNone/>
-            </a:pPr>
-            <a:r>
-              <a:rPr lang="en-GB" dirty="0">
-                <a:solidFill>
-                  <a:srgbClr val="0070C0"/>
-                </a:solidFill>
-              </a:rPr>
-              <a:t>        </a:t>
-            </a:r>
-            <a:r>
-              <a:rPr lang="en-GB" dirty="0" err="1">
-                <a:solidFill>
-                  <a:srgbClr val="0070C0"/>
-                </a:solidFill>
-              </a:rPr>
-              <a:t>cp</a:t>
-            </a:r>
-            <a:r>
-              <a:rPr lang="en-GB" dirty="0">
-                <a:solidFill>
-                  <a:srgbClr val="0070C0"/>
-                </a:solidFill>
-              </a:rPr>
-              <a:t> ./.</a:t>
-            </a:r>
-            <a:r>
-              <a:rPr lang="en-GB" dirty="0" err="1">
-                <a:solidFill>
-                  <a:srgbClr val="0070C0"/>
-                </a:solidFill>
-              </a:rPr>
-              <a:t>nanorc</a:t>
-            </a:r>
-            <a:r>
-              <a:rPr lang="en-GB" dirty="0">
-                <a:solidFill>
-                  <a:srgbClr val="0070C0"/>
-                </a:solidFill>
-              </a:rPr>
-              <a:t> ~/</a:t>
-            </a:r>
-          </a:p>
-          <a:p>
-            <a:pPr marL="0" indent="0">
-              <a:buNone/>
-            </a:pPr>
-            <a:endParaRPr lang="en-GB" dirty="0">
-              <a:solidFill>
-                <a:srgbClr val="0070C0"/>
-              </a:solidFill>
-            </a:endParaRPr>
-          </a:p>
-          <a:p>
-            <a:pPr marL="0" indent="0">
-              <a:buNone/>
-            </a:pPr>
-            <a:r>
-              <a:rPr lang="en-GB" sz="2400" dirty="0"/>
-              <a:t>(Copy, from here, a file called, to my home)</a:t>
-            </a:r>
-          </a:p>
-        </p:txBody>
-      </p:sp>
-      <p:pic>
-        <p:nvPicPr>
-          <p:cNvPr id="4" name="Picture 3">
-            <a:extLst>
-              <a:ext uri="{FF2B5EF4-FFF2-40B4-BE49-F238E27FC236}">
-                <a16:creationId xmlns:a16="http://schemas.microsoft.com/office/drawing/2014/main" id="{6840FE05-EE27-4BD9-B509-C588EB993695}"/>
-              </a:ext>
-            </a:extLst>
-          </p:cNvPr>
-          <p:cNvPicPr>
-            <a:picLocks noChangeAspect="1"/>
-          </p:cNvPicPr>
-          <p:nvPr/>
-        </p:nvPicPr>
-        <p:blipFill rotWithShape="1">
-          <a:blip r:embed="rId2">
-            <a:extLst>
-              <a:ext uri="{28A0092B-C50C-407E-A947-70E740481C1C}">
-                <a14:useLocalDpi xmlns:a14="http://schemas.microsoft.com/office/drawing/2010/main" val="0"/>
-              </a:ext>
-            </a:extLst>
-          </a:blip>
-          <a:srcRect/>
-          <a:stretch/>
-        </p:blipFill>
-        <p:spPr>
-          <a:xfrm>
-            <a:off x="6323668" y="2025570"/>
-            <a:ext cx="5629122" cy="4817961"/>
-          </a:xfrm>
-          <a:prstGeom prst="rect">
-            <a:avLst/>
-          </a:prstGeom>
-        </p:spPr>
-      </p:pic>
-      <p:cxnSp>
-        <p:nvCxnSpPr>
-          <p:cNvPr id="6" name="Straight Arrow Connector 5">
-            <a:extLst>
-              <a:ext uri="{FF2B5EF4-FFF2-40B4-BE49-F238E27FC236}">
-                <a16:creationId xmlns:a16="http://schemas.microsoft.com/office/drawing/2014/main" id="{3B4049F0-6DA8-4E38-B7C2-F8588D8ACA8A}"/>
-              </a:ext>
-            </a:extLst>
-          </p:cNvPr>
-          <p:cNvCxnSpPr/>
-          <p:nvPr/>
-        </p:nvCxnSpPr>
-        <p:spPr>
-          <a:xfrm flipV="1">
-            <a:off x="2057400" y="3343275"/>
-            <a:ext cx="0" cy="447675"/>
-          </a:xfrm>
-          <a:prstGeom prst="straightConnector1">
-            <a:avLst/>
-          </a:prstGeom>
-          <a:ln>
-            <a:tailEnd type="triangle"/>
-          </a:ln>
-        </p:spPr>
-        <p:style>
-          <a:lnRef idx="1">
-            <a:schemeClr val="accent1"/>
-          </a:lnRef>
-          <a:fillRef idx="0">
-            <a:schemeClr val="accent1"/>
-          </a:fillRef>
-          <a:effectRef idx="0">
-            <a:schemeClr val="accent1"/>
-          </a:effectRef>
-          <a:fontRef idx="minor">
-            <a:schemeClr val="tx1"/>
-          </a:fontRef>
-        </p:style>
-      </p:cxnSp>
-      <p:sp>
-        <p:nvSpPr>
-          <p:cNvPr id="7" name="TextBox 6">
-            <a:extLst>
-              <a:ext uri="{FF2B5EF4-FFF2-40B4-BE49-F238E27FC236}">
-                <a16:creationId xmlns:a16="http://schemas.microsoft.com/office/drawing/2014/main" id="{69ACC8EB-2CF1-44A7-B093-361A84228C8F}"/>
-              </a:ext>
-            </a:extLst>
-          </p:cNvPr>
-          <p:cNvSpPr txBox="1"/>
-          <p:nvPr/>
-        </p:nvSpPr>
-        <p:spPr>
-          <a:xfrm>
-            <a:off x="10350500" y="0"/>
-            <a:ext cx="1841500" cy="584775"/>
-          </a:xfrm>
-          <a:prstGeom prst="rect">
-            <a:avLst/>
-          </a:prstGeom>
-          <a:noFill/>
-        </p:spPr>
-        <p:txBody>
-          <a:bodyPr wrap="square" rtlCol="0">
-            <a:spAutoFit/>
-          </a:bodyPr>
-          <a:lstStyle/>
-          <a:p>
-            <a:r>
-              <a:rPr lang="en-GB" sz="3200" dirty="0">
-                <a:solidFill>
-                  <a:srgbClr val="FF0000"/>
-                </a:solidFill>
-                <a:highlight>
-                  <a:srgbClr val="FFFF00"/>
-                </a:highlight>
-              </a:rPr>
-              <a:t>ACTIVITY</a:t>
-            </a:r>
-            <a:endParaRPr lang="en-GB" sz="2800" dirty="0">
-              <a:solidFill>
-                <a:srgbClr val="FF0000"/>
-              </a:solidFill>
-              <a:highlight>
-                <a:srgbClr val="FFFF00"/>
-              </a:highlight>
-            </a:endParaRPr>
-          </a:p>
-        </p:txBody>
-      </p:sp>
-    </p:spTree>
-    <p:extLst>
-      <p:ext uri="{BB962C8B-B14F-4D97-AF65-F5344CB8AC3E}">
-        <p14:creationId xmlns:p14="http://schemas.microsoft.com/office/powerpoint/2010/main" val="3825622668"/>
-      </p:ext>
-    </p:extLst>
-  </p:cSld>
-  <p:clrMapOvr>
-    <a:masterClrMapping/>
-  </p:clrMapOvr>
-</p:sld>
-</file>
-
 <file path=ppt/slides/slide8.xml><?xml version="1.0" encoding="utf-8"?>
 <p:sld xmlns:a="http://schemas.openxmlformats.org/drawingml/2006/main" xmlns:r="http://schemas.openxmlformats.org/officeDocument/2006/relationships" xmlns:p="http://schemas.openxmlformats.org/presentationml/2006/main">
   <p:cSld>
@@ -8069,7 +8628,7 @@
           <p:cNvPr id="2" name="Title 1">
             <a:extLst>
               <a:ext uri="{FF2B5EF4-FFF2-40B4-BE49-F238E27FC236}">
-                <a16:creationId xmlns:a16="http://schemas.microsoft.com/office/drawing/2014/main" id="{C81A3A91-7B42-45E2-AF0C-1ABEDCB0CE20}"/>
+                <a16:creationId xmlns:a16="http://schemas.microsoft.com/office/drawing/2014/main" id="{8855E32C-F685-402A-A06D-3501A3000227}"/>
               </a:ext>
             </a:extLst>
           </p:cNvPr>
@@ -8082,21 +8641,22 @@
         </p:nvSpPr>
         <p:spPr>
           <a:xfrm>
-            <a:off x="590550" y="102968"/>
-            <a:ext cx="11823700" cy="1325563"/>
+            <a:off x="-352423" y="-155575"/>
+            <a:ext cx="11515723" cy="1325563"/>
           </a:xfrm>
         </p:spPr>
         <p:txBody>
           <a:bodyPr/>
           <a:lstStyle/>
           <a:p>
+            <a:pPr algn="ctr"/>
             <a:r>
               <a:rPr lang="en-GB" dirty="0">
                 <a:solidFill>
                   <a:srgbClr val="7030A0"/>
                 </a:solidFill>
               </a:rPr>
-              <a:t>4) Shell scripting: The .</a:t>
+              <a:t>4) Shell scripting: </a:t>
             </a:r>
             <a:r>
               <a:rPr lang="en-GB" dirty="0" err="1">
@@ -8104,7 +8664,7 @@
                   <a:srgbClr val="7030A0"/>
                 </a:solidFill>
               </a:rPr>
-              <a:t>sh</a:t>
+              <a:t>nano</a:t>
             </a:r>
             <a:r>
               <a:rPr lang="en-GB" dirty="0">
@@ -8112,7 +8672,7 @@
                   <a:srgbClr val="7030A0"/>
                 </a:solidFill>
               </a:rPr>
-              <a:t> script has to be “executable”</a:t>
+              <a:t> command line editor</a:t>
             </a:r>
           </a:p>
         </p:txBody>
@@ -8122,7 +8682,7 @@
           <p:cNvPr id="3" name="Content Placeholder 2">
             <a:extLst>
               <a:ext uri="{FF2B5EF4-FFF2-40B4-BE49-F238E27FC236}">
-                <a16:creationId xmlns:a16="http://schemas.microsoft.com/office/drawing/2014/main" id="{9FC71EF4-1728-429F-AEAF-B2352A04F976}"/>
+                <a16:creationId xmlns:a16="http://schemas.microsoft.com/office/drawing/2014/main" id="{71E90A55-B2F4-457C-A749-172D08E80ABC}"/>
               </a:ext>
             </a:extLst>
           </p:cNvPr>
@@ -8135,20 +8695,81 @@
         </p:nvSpPr>
         <p:spPr>
           <a:xfrm>
-            <a:off x="216568" y="1411288"/>
-            <a:ext cx="11607132" cy="5156199"/>
-          </a:xfrm>
-        </p:spPr>
-        <p:txBody>
-          <a:bodyPr>
-            <a:normAutofit/>
-          </a:bodyPr>
-          <a:lstStyle/>
-          <a:p>
+            <a:off x="409937" y="1107272"/>
+            <a:ext cx="10515600" cy="4351338"/>
+          </a:xfrm>
+        </p:spPr>
+        <p:txBody>
+          <a:bodyPr/>
+          <a:lstStyle/>
+          <a:p>
+            <a:r>
+              <a:rPr lang="en-GB" dirty="0" err="1"/>
+              <a:t>nano</a:t>
+            </a:r>
             <a:r>
               <a:rPr lang="en-GB" dirty="0"/>
-              <a:t>Type:</a:t>
-            </a:r>
+              <a:t> by default is black and white. However if you want colours, which I do, copy the </a:t>
+            </a:r>
+            <a:r>
+              <a:rPr lang="en-GB" dirty="0">
+                <a:solidFill>
+                  <a:srgbClr val="FF0000"/>
+                </a:solidFill>
+              </a:rPr>
+              <a:t>.</a:t>
+            </a:r>
+            <a:r>
+              <a:rPr lang="en-GB" dirty="0" err="1">
+                <a:solidFill>
+                  <a:srgbClr val="FF0000"/>
+                </a:solidFill>
+              </a:rPr>
+              <a:t>nanorc</a:t>
+            </a:r>
+            <a:r>
+              <a:rPr lang="en-GB" dirty="0">
+                <a:solidFill>
+                  <a:srgbClr val="FF0000"/>
+                </a:solidFill>
+              </a:rPr>
+              <a:t> </a:t>
+            </a:r>
+            <a:r>
+              <a:rPr lang="en-GB" dirty="0"/>
+              <a:t>file from with the </a:t>
+            </a:r>
+            <a:r>
+              <a:rPr lang="en-GB" dirty="0">
+                <a:solidFill>
+                  <a:srgbClr val="FF0000"/>
+                </a:solidFill>
+              </a:rPr>
+              <a:t>./</a:t>
+            </a:r>
+            <a:r>
+              <a:rPr lang="en-GB" dirty="0" err="1">
+                <a:solidFill>
+                  <a:srgbClr val="FF0000"/>
+                </a:solidFill>
+              </a:rPr>
+              <a:t>Msc_Digital_Health</a:t>
+            </a:r>
+            <a:r>
+              <a:rPr lang="en-GB" dirty="0">
+                <a:solidFill>
+                  <a:srgbClr val="FF0000"/>
+                </a:solidFill>
+              </a:rPr>
+              <a:t> </a:t>
+            </a:r>
+            <a:r>
+              <a:rPr lang="en-GB" dirty="0"/>
+              <a:t>folder to your home directory:</a:t>
+            </a:r>
+          </a:p>
+          <a:p>
+            <a:endParaRPr lang="en-GB" dirty="0"/>
           </a:p>
           <a:p>
             <a:pPr marL="0" indent="0">
@@ -8160,7 +8781,7 @@
                   <a:srgbClr val="0070C0"/>
                 </a:solidFill>
               </a:rPr>
-              <a:t>         </a:t>
+              <a:t>        </a:t>
             </a:r>
             <a:r>
               <a:rPr lang="en-GB" dirty="0" err="1">
@@ -8168,7 +8789,7 @@
                   <a:srgbClr val="0070C0"/>
                 </a:solidFill>
               </a:rPr>
-              <a:t>chmod</a:t>
+              <a:t>cp</a:t>
             </a:r>
             <a:r>
               <a:rPr lang="en-GB" dirty="0">
@@ -8176,7 +8797,7 @@
                   <a:srgbClr val="0070C0"/>
                 </a:solidFill>
               </a:rPr>
-              <a:t> </a:t>
+              <a:t> ./.</a:t>
             </a:r>
             <a:r>
               <a:rPr lang="en-GB" dirty="0" err="1">
@@ -8184,7 +8805,7 @@
                   <a:srgbClr val="0070C0"/>
                 </a:solidFill>
               </a:rPr>
-              <a:t>u+x</a:t>
+              <a:t>nanorc</a:t>
             </a:r>
             <a:r>
               <a:rPr lang="en-GB" dirty="0">
@@ -8192,11 +8813,7 @@
                   <a:srgbClr val="0070C0"/>
                 </a:solidFill>
               </a:rPr>
-              <a:t> Example.sh   </a:t>
-            </a:r>
-            <a:r>
-              <a:rPr lang="en-GB" dirty="0"/>
-              <a:t>(if it is not executable it will not run!!!)</a:t>
+              <a:t> ~/</a:t>
             </a:r>
           </a:p>
           <a:p>
@@ -8214,90 +8831,92 @@
               <a:buNone/>
             </a:pPr>
             <a:r>
-              <a:rPr lang="en-GB" dirty="0"/>
-              <a:t>Type</a:t>
-            </a:r>
-            <a:r>
-              <a:rPr lang="en-GB" dirty="0">
-                <a:solidFill>
-                  <a:srgbClr val="0070C0"/>
-                </a:solidFill>
-              </a:rPr>
-              <a:t> </a:t>
-            </a:r>
-          </a:p>
-          <a:p>
-            <a:pPr marL="0" indent="0">
-              <a:buNone/>
-            </a:pPr>
-            <a:r>
-              <a:rPr lang="en-GB" dirty="0">
-                <a:solidFill>
-                  <a:srgbClr val="0070C0"/>
-                </a:solidFill>
-              </a:rPr>
-              <a:t>        ls   </a:t>
-            </a:r>
-            <a:r>
               <a:rPr lang="en-GB" sz="2400" dirty="0"/>
-              <a:t>(</a:t>
-            </a:r>
-            <a:r>
-              <a:rPr lang="en-GB" sz="2400" dirty="0">
-                <a:solidFill>
-                  <a:srgbClr val="00B050"/>
-                </a:solidFill>
-              </a:rPr>
-              <a:t>executable files are green</a:t>
-            </a:r>
-            <a:r>
-              <a:rPr lang="en-GB" sz="2400" dirty="0"/>
-              <a:t>. </a:t>
-            </a:r>
-            <a:r>
-              <a:rPr lang="en-GB" sz="2400" dirty="0">
-                <a:solidFill>
-                  <a:srgbClr val="FF0000"/>
-                </a:solidFill>
-              </a:rPr>
-              <a:t>Compressed = red</a:t>
-            </a:r>
-            <a:r>
-              <a:rPr lang="en-GB" sz="2400" dirty="0"/>
-              <a:t>. Files = white, </a:t>
-            </a:r>
-            <a:r>
-              <a:rPr lang="en-GB" sz="2400" dirty="0">
-                <a:solidFill>
-                  <a:srgbClr val="002060"/>
-                </a:solidFill>
-              </a:rPr>
-              <a:t>Folders = blue</a:t>
-            </a:r>
-            <a:r>
-              <a:rPr lang="en-GB" sz="2400" dirty="0"/>
-              <a:t>)</a:t>
-            </a:r>
-            <a:endParaRPr lang="en-GB" dirty="0"/>
-          </a:p>
-          <a:p>
-            <a:pPr marL="0" indent="0">
-              <a:buNone/>
-            </a:pPr>
-            <a:endParaRPr lang="en-GB" dirty="0">
-              <a:solidFill>
-                <a:srgbClr val="0070C0"/>
-              </a:solidFill>
-            </a:endParaRPr>
-          </a:p>
-        </p:txBody>
-      </p:sp>
-      <p:sp>
-        <p:nvSpPr>
-          <p:cNvPr id="4" name="TextBox 3">
-            <a:extLst>
-              <a:ext uri="{FF2B5EF4-FFF2-40B4-BE49-F238E27FC236}">
-                <a16:creationId xmlns:a16="http://schemas.microsoft.com/office/drawing/2014/main" id="{B4662B38-7115-424B-8193-AB38552519CD}"/>
+              <a:t>(Copy, from here, a file called, to my home)</a:t>
+            </a:r>
+          </a:p>
+        </p:txBody>
+      </p:sp>
+      <p:pic>
+        <p:nvPicPr>
+          <p:cNvPr id="4" name="Picture 3">
+            <a:extLst>
+              <a:ext uri="{FF2B5EF4-FFF2-40B4-BE49-F238E27FC236}">
+                <a16:creationId xmlns:a16="http://schemas.microsoft.com/office/drawing/2014/main" id="{6840FE05-EE27-4BD9-B509-C588EB993695}"/>
+              </a:ext>
+            </a:extLst>
+          </p:cNvPr>
+          <p:cNvPicPr>
+            <a:picLocks noChangeAspect="1"/>
+          </p:cNvPicPr>
+          <p:nvPr/>
+        </p:nvPicPr>
+        <p:blipFill rotWithShape="1">
+          <a:blip r:embed="rId2">
+            <a:extLst>
+              <a:ext uri="{28A0092B-C50C-407E-A947-70E740481C1C}">
+                <a14:useLocalDpi xmlns:a14="http://schemas.microsoft.com/office/drawing/2010/main" val="0"/>
+              </a:ext>
+            </a:extLst>
+          </a:blip>
+          <a:srcRect/>
+          <a:stretch/>
+        </p:blipFill>
+        <p:spPr>
+          <a:xfrm>
+            <a:off x="6323668" y="2025570"/>
+            <a:ext cx="5629122" cy="4817961"/>
+          </a:xfrm>
+          <a:prstGeom prst="rect">
+            <a:avLst/>
+          </a:prstGeom>
+        </p:spPr>
+      </p:pic>
+      <p:cxnSp>
+        <p:nvCxnSpPr>
+          <p:cNvPr id="6" name="Straight Arrow Connector 5">
+            <a:extLst>
+              <a:ext uri="{FF2B5EF4-FFF2-40B4-BE49-F238E27FC236}">
+                <a16:creationId xmlns:a16="http://schemas.microsoft.com/office/drawing/2014/main" id="{3B4049F0-6DA8-4E38-B7C2-F8588D8ACA8A}"/>
+              </a:ext>
+            </a:extLst>
+          </p:cNvPr>
+          <p:cNvCxnSpPr/>
+          <p:nvPr/>
+        </p:nvCxnSpPr>
+        <p:spPr>
+          <a:xfrm flipV="1">
+            <a:off x="2057400" y="3343275"/>
+            <a:ext cx="0" cy="447675"/>
+          </a:xfrm>
+          <a:prstGeom prst="straightConnector1">
+            <a:avLst/>
+          </a:prstGeom>
+          <a:ln>
+            <a:tailEnd type="triangle"/>
+          </a:ln>
+        </p:spPr>
+        <p:style>
+          <a:lnRef idx="1">
+            <a:schemeClr val="accent1"/>
+          </a:lnRef>
+          <a:fillRef idx="0">
+            <a:schemeClr val="accent1"/>
+          </a:fillRef>
+          <a:effectRef idx="0">
+            <a:schemeClr val="accent1"/>
+          </a:effectRef>
+          <a:fontRef idx="minor">
+            <a:schemeClr val="tx1"/>
+          </a:fontRef>
+        </p:style>
+      </p:cxnSp>
+      <p:sp>
+        <p:nvSpPr>
+          <p:cNvPr id="7" name="TextBox 6">
+            <a:extLst>
+              <a:ext uri="{FF2B5EF4-FFF2-40B4-BE49-F238E27FC236}">
+                <a16:creationId xmlns:a16="http://schemas.microsoft.com/office/drawing/2014/main" id="{69ACC8EB-2CF1-44A7-B093-361A84228C8F}"/>
               </a:ext>
             </a:extLst>
           </p:cNvPr>
@@ -8342,45 +8961,10 @@
           </a:p>
         </p:txBody>
       </p:sp>
-      <p:pic>
-        <p:nvPicPr>
-          <p:cNvPr id="5" name="Picture 4">
-            <a:extLst>
-              <a:ext uri="{FF2B5EF4-FFF2-40B4-BE49-F238E27FC236}">
-                <a16:creationId xmlns:a16="http://schemas.microsoft.com/office/drawing/2014/main" id="{6070C17A-C359-446D-A1CA-AA0F2A840BCA}"/>
-              </a:ext>
-            </a:extLst>
-          </p:cNvPr>
-          <p:cNvPicPr>
-            <a:picLocks noChangeAspect="1"/>
-          </p:cNvPicPr>
-          <p:nvPr/>
-        </p:nvPicPr>
-        <p:blipFill rotWithShape="1">
-          <a:blip r:embed="rId2">
-            <a:extLst>
-              <a:ext uri="{28A0092B-C50C-407E-A947-70E740481C1C}">
-                <a14:useLocalDpi xmlns:a14="http://schemas.microsoft.com/office/drawing/2010/main" val="0"/>
-              </a:ext>
-            </a:extLst>
-          </a:blip>
-          <a:srcRect/>
-          <a:stretch/>
-        </p:blipFill>
-        <p:spPr>
-          <a:xfrm>
-            <a:off x="2882900" y="4676775"/>
-            <a:ext cx="5222750" cy="2078257"/>
-          </a:xfrm>
-          <a:prstGeom prst="rect">
-            <a:avLst/>
-          </a:prstGeom>
-        </p:spPr>
-      </p:pic>
     </p:spTree>
     <p:extLst>
       <p:ext uri="{BB962C8B-B14F-4D97-AF65-F5344CB8AC3E}">
-        <p14:creationId xmlns:p14="http://schemas.microsoft.com/office/powerpoint/2010/main" val="3641070766"/>
+        <p14:creationId xmlns:p14="http://schemas.microsoft.com/office/powerpoint/2010/main" val="3825622668"/>
       </p:ext>
     </p:extLst>
   </p:cSld>
@@ -8412,7 +8996,7 @@
           <p:cNvPr id="2" name="Title 1">
             <a:extLst>
               <a:ext uri="{FF2B5EF4-FFF2-40B4-BE49-F238E27FC236}">
-                <a16:creationId xmlns:a16="http://schemas.microsoft.com/office/drawing/2014/main" id="{8DE746B1-9DCE-476E-96FB-95A6E438B391}"/>
+                <a16:creationId xmlns:a16="http://schemas.microsoft.com/office/drawing/2014/main" id="{C81A3A91-7B42-45E2-AF0C-1ABEDCB0CE20}"/>
               </a:ext>
             </a:extLst>
           </p:cNvPr>
@@ -8425,32 +9009,302 @@
         </p:nvSpPr>
         <p:spPr>
           <a:xfrm>
-            <a:off x="0" y="77644"/>
-            <a:ext cx="11353800" cy="1325563"/>
+            <a:off x="590550" y="102968"/>
+            <a:ext cx="11823700" cy="1325563"/>
           </a:xfrm>
         </p:spPr>
         <p:txBody>
           <a:bodyPr/>
           <a:lstStyle/>
           <a:p>
-            <a:pPr algn="ctr"/>
             <a:r>
               <a:rPr lang="en-GB" dirty="0">
                 <a:solidFill>
                   <a:srgbClr val="7030A0"/>
                 </a:solidFill>
               </a:rPr>
-              <a:t>4) Shell scripting: Colours of files - may differ between programs/ command lines used. </a:t>
-            </a:r>
+              <a:t>4) Shell scripting: The .</a:t>
+            </a:r>
+            <a:r>
+              <a:rPr lang="en-GB" dirty="0" err="1">
+                <a:solidFill>
+                  <a:srgbClr val="7030A0"/>
+                </a:solidFill>
+              </a:rPr>
+              <a:t>sh</a:t>
+            </a:r>
+            <a:r>
+              <a:rPr lang="en-GB" dirty="0">
+                <a:solidFill>
+                  <a:srgbClr val="7030A0"/>
+                </a:solidFill>
+              </a:rPr>
+              <a:t> script has to be “executable”</a:t>
+            </a:r>
+          </a:p>
+        </p:txBody>
+      </p:sp>
+      <p:sp>
+        <p:nvSpPr>
+          <p:cNvPr id="3" name="Content Placeholder 2">
+            <a:extLst>
+              <a:ext uri="{FF2B5EF4-FFF2-40B4-BE49-F238E27FC236}">
+                <a16:creationId xmlns:a16="http://schemas.microsoft.com/office/drawing/2014/main" id="{9FC71EF4-1728-429F-AEAF-B2352A04F976}"/>
+              </a:ext>
+            </a:extLst>
+          </p:cNvPr>
+          <p:cNvSpPr>
+            <a:spLocks noGrp="1"/>
+          </p:cNvSpPr>
+          <p:nvPr>
+            <p:ph idx="1"/>
+          </p:nvPr>
+        </p:nvSpPr>
+        <p:spPr>
+          <a:xfrm>
+            <a:off x="216568" y="1411288"/>
+            <a:ext cx="11607132" cy="5156199"/>
+          </a:xfrm>
+        </p:spPr>
+        <p:txBody>
+          <a:bodyPr>
+            <a:normAutofit/>
+          </a:bodyPr>
+          <a:lstStyle/>
+          <a:p>
+            <a:r>
+              <a:rPr lang="en-GB" dirty="0"/>
+              <a:t>Type:</a:t>
+            </a:r>
+          </a:p>
+          <a:p>
+            <a:pPr marL="0" indent="0">
+              <a:buNone/>
+            </a:pPr>
+            <a:r>
+              <a:rPr lang="en-GB" dirty="0">
+                <a:solidFill>
+                  <a:srgbClr val="0070C0"/>
+                </a:solidFill>
+              </a:rPr>
+              <a:t>         </a:t>
+            </a:r>
+            <a:r>
+              <a:rPr lang="en-GB" dirty="0" err="1">
+                <a:solidFill>
+                  <a:srgbClr val="0070C0"/>
+                </a:solidFill>
+              </a:rPr>
+              <a:t>chmod</a:t>
+            </a:r>
+            <a:r>
+              <a:rPr lang="en-GB" dirty="0">
+                <a:solidFill>
+                  <a:srgbClr val="0070C0"/>
+                </a:solidFill>
+              </a:rPr>
+              <a:t> </a:t>
+            </a:r>
+            <a:r>
+              <a:rPr lang="en-GB" dirty="0" err="1">
+                <a:solidFill>
+                  <a:srgbClr val="0070C0"/>
+                </a:solidFill>
+              </a:rPr>
+              <a:t>u+x</a:t>
+            </a:r>
+            <a:r>
+              <a:rPr lang="en-GB" dirty="0">
+                <a:solidFill>
+                  <a:srgbClr val="0070C0"/>
+                </a:solidFill>
+              </a:rPr>
+              <a:t> Example.sh   </a:t>
+            </a:r>
+            <a:r>
+              <a:rPr lang="en-GB" dirty="0"/>
+              <a:t>(if it is not executable it will not run!!!)</a:t>
+            </a:r>
+          </a:p>
+          <a:p>
+            <a:pPr marL="0" indent="0">
+              <a:buNone/>
+            </a:pPr>
+            <a:r>
+              <a:rPr lang="en-GB" dirty="0"/>
+              <a:t>	u = “the users, i.e. you!</a:t>
+            </a:r>
+          </a:p>
+          <a:p>
+            <a:pPr marL="0" indent="0">
+              <a:buNone/>
+            </a:pPr>
+            <a:r>
+              <a:rPr lang="en-GB" dirty="0"/>
+              <a:t>	+x  mean executable. </a:t>
+            </a:r>
+          </a:p>
+          <a:p>
+            <a:pPr marL="0" indent="0">
+              <a:buNone/>
+            </a:pPr>
+            <a:r>
+              <a:rPr lang="en-GB" dirty="0"/>
+              <a:t>	+</a:t>
+            </a:r>
+            <a:r>
+              <a:rPr lang="en-GB" dirty="0" err="1"/>
+              <a:t>rw</a:t>
+            </a:r>
+            <a:r>
+              <a:rPr lang="en-GB" dirty="0"/>
+              <a:t>  means read/ write. </a:t>
+            </a:r>
+            <a:endParaRPr lang="en-GB" dirty="0">
+              <a:solidFill>
+                <a:srgbClr val="0070C0"/>
+              </a:solidFill>
+            </a:endParaRPr>
+          </a:p>
+          <a:p>
+            <a:pPr marL="0" indent="0">
+              <a:buNone/>
+            </a:pPr>
+            <a:r>
+              <a:rPr lang="en-GB" dirty="0"/>
+              <a:t>Type</a:t>
+            </a:r>
+            <a:r>
+              <a:rPr lang="en-GB" dirty="0">
+                <a:solidFill>
+                  <a:srgbClr val="0070C0"/>
+                </a:solidFill>
+              </a:rPr>
+              <a:t> </a:t>
+            </a:r>
+          </a:p>
+          <a:p>
+            <a:pPr marL="0" indent="0">
+              <a:buNone/>
+            </a:pPr>
+            <a:r>
+              <a:rPr lang="en-GB" dirty="0">
+                <a:solidFill>
+                  <a:srgbClr val="0070C0"/>
+                </a:solidFill>
+              </a:rPr>
+              <a:t>        ls   </a:t>
+            </a:r>
+            <a:r>
+              <a:rPr lang="en-GB" sz="2400" dirty="0"/>
+              <a:t>(</a:t>
+            </a:r>
+            <a:r>
+              <a:rPr lang="en-GB" sz="2400" dirty="0">
+                <a:solidFill>
+                  <a:srgbClr val="00B050"/>
+                </a:solidFill>
+              </a:rPr>
+              <a:t>executable files are green</a:t>
+            </a:r>
+            <a:r>
+              <a:rPr lang="en-GB" sz="2400" dirty="0"/>
+              <a:t>. </a:t>
+            </a:r>
+            <a:r>
+              <a:rPr lang="en-GB" sz="2400" dirty="0">
+                <a:solidFill>
+                  <a:srgbClr val="FF0000"/>
+                </a:solidFill>
+              </a:rPr>
+              <a:t>Compressed = red</a:t>
+            </a:r>
+            <a:r>
+              <a:rPr lang="en-GB" sz="2400" dirty="0"/>
+              <a:t>. Files = white, </a:t>
+            </a:r>
+            <a:r>
+              <a:rPr lang="en-GB" sz="2400" dirty="0">
+                <a:solidFill>
+                  <a:srgbClr val="002060"/>
+                </a:solidFill>
+              </a:rPr>
+              <a:t>Folders = blue</a:t>
+            </a:r>
+            <a:r>
+              <a:rPr lang="en-GB" sz="2400" dirty="0"/>
+              <a:t>)</a:t>
+            </a:r>
+            <a:endParaRPr lang="en-GB" dirty="0"/>
+          </a:p>
+          <a:p>
+            <a:pPr marL="0" indent="0">
+              <a:buNone/>
+            </a:pPr>
+            <a:endParaRPr lang="en-GB" dirty="0">
+              <a:solidFill>
+                <a:srgbClr val="0070C0"/>
+              </a:solidFill>
+            </a:endParaRPr>
+          </a:p>
+        </p:txBody>
+      </p:sp>
+      <p:sp>
+        <p:nvSpPr>
+          <p:cNvPr id="4" name="TextBox 3">
+            <a:extLst>
+              <a:ext uri="{FF2B5EF4-FFF2-40B4-BE49-F238E27FC236}">
+                <a16:creationId xmlns:a16="http://schemas.microsoft.com/office/drawing/2014/main" id="{B4662B38-7115-424B-8193-AB38552519CD}"/>
+              </a:ext>
+            </a:extLst>
+          </p:cNvPr>
+          <p:cNvSpPr txBox="1"/>
+          <p:nvPr/>
+        </p:nvSpPr>
+        <p:spPr>
+          <a:xfrm>
+            <a:off x="10350500" y="0"/>
+            <a:ext cx="1841500" cy="584775"/>
+          </a:xfrm>
+          <a:prstGeom prst="rect">
+            <a:avLst/>
+          </a:prstGeom>
+          <a:noFill/>
+        </p:spPr>
+        <p:txBody>
+          <a:bodyPr wrap="square" rtlCol="0">
+            <a:spAutoFit/>
+          </a:bodyPr>
+          <a:lstStyle/>
+          <a:p>
+            <a:r>
+              <a:rPr lang="en-GB" sz="3200" dirty="0">
+                <a:solidFill>
+                  <a:srgbClr val="FF0000"/>
+                </a:solidFill>
+                <a:highlight>
+                  <a:srgbClr val="FFFF00"/>
+                </a:highlight>
+              </a:rPr>
+              <a:t>ACTIVITY</a:t>
+            </a:r>
+            <a:endParaRPr lang="en-GB" sz="2800" dirty="0">
+              <a:solidFill>
+                <a:srgbClr val="FF0000"/>
+              </a:solidFill>
+              <a:highlight>
+                <a:srgbClr val="FFFF00"/>
+              </a:highlight>
+            </a:endParaRPr>
           </a:p>
         </p:txBody>
       </p:sp>
       <p:pic>
         <p:nvPicPr>
-          <p:cNvPr id="4" name="Picture 3">
-            <a:extLst>
-              <a:ext uri="{FF2B5EF4-FFF2-40B4-BE49-F238E27FC236}">
-                <a16:creationId xmlns:a16="http://schemas.microsoft.com/office/drawing/2014/main" id="{E1080871-043E-4484-AA92-0F24D82261C5}"/>
+          <p:cNvPr id="5" name="Picture 4">
+            <a:extLst>
+              <a:ext uri="{FF2B5EF4-FFF2-40B4-BE49-F238E27FC236}">
+                <a16:creationId xmlns:a16="http://schemas.microsoft.com/office/drawing/2014/main" id="{6070C17A-C359-446D-A1CA-AA0F2A840BCA}"/>
               </a:ext>
             </a:extLst>
           </p:cNvPr>
@@ -8472,344 +9326,18 @@
         </p:blipFill>
         <p:spPr>
           <a:xfrm>
-            <a:off x="3454400" y="2501900"/>
-            <a:ext cx="7340600" cy="2921000"/>
+            <a:off x="5127750" y="5023647"/>
+            <a:ext cx="4609808" cy="1834353"/>
           </a:xfrm>
           <a:prstGeom prst="rect">
             <a:avLst/>
           </a:prstGeom>
         </p:spPr>
       </p:pic>
-      <p:sp>
-        <p:nvSpPr>
-          <p:cNvPr id="5" name="TextBox 4">
-            <a:extLst>
-              <a:ext uri="{FF2B5EF4-FFF2-40B4-BE49-F238E27FC236}">
-                <a16:creationId xmlns:a16="http://schemas.microsoft.com/office/drawing/2014/main" id="{36745D97-E67E-4C41-BD35-F85E4C6B0AF8}"/>
-              </a:ext>
-            </a:extLst>
-          </p:cNvPr>
-          <p:cNvSpPr txBox="1"/>
-          <p:nvPr/>
-        </p:nvSpPr>
-        <p:spPr>
-          <a:xfrm>
-            <a:off x="622300" y="3733800"/>
-            <a:ext cx="2476500" cy="1938992"/>
-          </a:xfrm>
-          <a:prstGeom prst="rect">
-            <a:avLst/>
-          </a:prstGeom>
-          <a:noFill/>
-        </p:spPr>
-        <p:txBody>
-          <a:bodyPr wrap="square" rtlCol="0">
-            <a:spAutoFit/>
-          </a:bodyPr>
-          <a:lstStyle/>
-          <a:p>
-            <a:r>
-              <a:rPr lang="en-GB" sz="2400" dirty="0"/>
-              <a:t>Compressed</a:t>
-            </a:r>
-          </a:p>
-          <a:p>
-            <a:endParaRPr lang="en-GB" sz="2400" dirty="0"/>
-          </a:p>
-          <a:p>
-            <a:r>
-              <a:rPr lang="en-GB" sz="2400" dirty="0"/>
-              <a:t>Just a file</a:t>
-            </a:r>
-          </a:p>
-          <a:p>
-            <a:endParaRPr lang="en-GB" sz="2400" dirty="0"/>
-          </a:p>
-          <a:p>
-            <a:r>
-              <a:rPr lang="en-GB" sz="2400" dirty="0"/>
-              <a:t>folder</a:t>
-            </a:r>
-          </a:p>
-        </p:txBody>
-      </p:sp>
-      <p:sp>
-        <p:nvSpPr>
-          <p:cNvPr id="6" name="TextBox 5">
-            <a:extLst>
-              <a:ext uri="{FF2B5EF4-FFF2-40B4-BE49-F238E27FC236}">
-                <a16:creationId xmlns:a16="http://schemas.microsoft.com/office/drawing/2014/main" id="{29E8E406-BE71-4FC5-B5C1-88004D8AC51B}"/>
-              </a:ext>
-            </a:extLst>
-          </p:cNvPr>
-          <p:cNvSpPr txBox="1"/>
-          <p:nvPr/>
-        </p:nvSpPr>
-        <p:spPr>
-          <a:xfrm>
-            <a:off x="5283200" y="1657628"/>
-            <a:ext cx="2476500" cy="461665"/>
-          </a:xfrm>
-          <a:prstGeom prst="rect">
-            <a:avLst/>
-          </a:prstGeom>
-          <a:noFill/>
-        </p:spPr>
-        <p:txBody>
-          <a:bodyPr wrap="square" rtlCol="0">
-            <a:spAutoFit/>
-          </a:bodyPr>
-          <a:lstStyle/>
-          <a:p>
-            <a:r>
-              <a:rPr lang="en-GB" sz="2400" dirty="0"/>
-              <a:t>executable</a:t>
-            </a:r>
-          </a:p>
-        </p:txBody>
-      </p:sp>
-      <p:sp>
-        <p:nvSpPr>
-          <p:cNvPr id="7" name="TextBox 6">
-            <a:extLst>
-              <a:ext uri="{FF2B5EF4-FFF2-40B4-BE49-F238E27FC236}">
-                <a16:creationId xmlns:a16="http://schemas.microsoft.com/office/drawing/2014/main" id="{077B223B-4F73-440C-94CE-6163E1EFE0EF}"/>
-              </a:ext>
-            </a:extLst>
-          </p:cNvPr>
-          <p:cNvSpPr txBox="1"/>
-          <p:nvPr/>
-        </p:nvSpPr>
-        <p:spPr>
-          <a:xfrm>
-            <a:off x="5054600" y="6092071"/>
-            <a:ext cx="2476500" cy="461665"/>
-          </a:xfrm>
-          <a:prstGeom prst="rect">
-            <a:avLst/>
-          </a:prstGeom>
-          <a:noFill/>
-        </p:spPr>
-        <p:txBody>
-          <a:bodyPr wrap="square" rtlCol="0">
-            <a:spAutoFit/>
-          </a:bodyPr>
-          <a:lstStyle/>
-          <a:p>
-            <a:r>
-              <a:rPr lang="en-GB" sz="2400" dirty="0"/>
-              <a:t>Symbolic link</a:t>
-            </a:r>
-          </a:p>
-        </p:txBody>
-      </p:sp>
-      <p:cxnSp>
-        <p:nvCxnSpPr>
-          <p:cNvPr id="9" name="Straight Arrow Connector 8">
-            <a:extLst>
-              <a:ext uri="{FF2B5EF4-FFF2-40B4-BE49-F238E27FC236}">
-                <a16:creationId xmlns:a16="http://schemas.microsoft.com/office/drawing/2014/main" id="{B964E002-DD3F-49EE-B2A6-19F84B6596EC}"/>
-              </a:ext>
-            </a:extLst>
-          </p:cNvPr>
-          <p:cNvCxnSpPr/>
-          <p:nvPr/>
-        </p:nvCxnSpPr>
-        <p:spPr>
-          <a:xfrm>
-            <a:off x="6292850" y="2119293"/>
-            <a:ext cx="228600" cy="2046307"/>
-          </a:xfrm>
-          <a:prstGeom prst="straightConnector1">
-            <a:avLst/>
-          </a:prstGeom>
-          <a:ln>
-            <a:tailEnd type="triangle"/>
-          </a:ln>
-        </p:spPr>
-        <p:style>
-          <a:lnRef idx="3">
-            <a:schemeClr val="accent1"/>
-          </a:lnRef>
-          <a:fillRef idx="0">
-            <a:schemeClr val="accent1"/>
-          </a:fillRef>
-          <a:effectRef idx="2">
-            <a:schemeClr val="accent1"/>
-          </a:effectRef>
-          <a:fontRef idx="minor">
-            <a:schemeClr val="tx1"/>
-          </a:fontRef>
-        </p:style>
-      </p:cxnSp>
-      <p:cxnSp>
-        <p:nvCxnSpPr>
-          <p:cNvPr id="10" name="Straight Arrow Connector 9">
-            <a:extLst>
-              <a:ext uri="{FF2B5EF4-FFF2-40B4-BE49-F238E27FC236}">
-                <a16:creationId xmlns:a16="http://schemas.microsoft.com/office/drawing/2014/main" id="{2492776D-1094-4234-8ECC-8C088FA46346}"/>
-              </a:ext>
-            </a:extLst>
-          </p:cNvPr>
-          <p:cNvCxnSpPr>
-            <a:cxnSpLocks/>
-          </p:cNvCxnSpPr>
-          <p:nvPr/>
-        </p:nvCxnSpPr>
-        <p:spPr>
-          <a:xfrm>
-            <a:off x="2451100" y="3962400"/>
-            <a:ext cx="1052512" cy="141307"/>
-          </a:xfrm>
-          <a:prstGeom prst="straightConnector1">
-            <a:avLst/>
-          </a:prstGeom>
-          <a:ln>
-            <a:tailEnd type="triangle"/>
-          </a:ln>
-        </p:spPr>
-        <p:style>
-          <a:lnRef idx="3">
-            <a:schemeClr val="accent1"/>
-          </a:lnRef>
-          <a:fillRef idx="0">
-            <a:schemeClr val="accent1"/>
-          </a:fillRef>
-          <a:effectRef idx="2">
-            <a:schemeClr val="accent1"/>
-          </a:effectRef>
-          <a:fontRef idx="minor">
-            <a:schemeClr val="tx1"/>
-          </a:fontRef>
-        </p:style>
-      </p:cxnSp>
-      <p:cxnSp>
-        <p:nvCxnSpPr>
-          <p:cNvPr id="13" name="Straight Arrow Connector 12">
-            <a:extLst>
-              <a:ext uri="{FF2B5EF4-FFF2-40B4-BE49-F238E27FC236}">
-                <a16:creationId xmlns:a16="http://schemas.microsoft.com/office/drawing/2014/main" id="{AD075155-21F3-46B7-8335-78B492E95A26}"/>
-              </a:ext>
-            </a:extLst>
-          </p:cNvPr>
-          <p:cNvCxnSpPr>
-            <a:cxnSpLocks/>
-          </p:cNvCxnSpPr>
-          <p:nvPr/>
-        </p:nvCxnSpPr>
-        <p:spPr>
-          <a:xfrm>
-            <a:off x="2057400" y="4781103"/>
-            <a:ext cx="1567656" cy="0"/>
-          </a:xfrm>
-          <a:prstGeom prst="straightConnector1">
-            <a:avLst/>
-          </a:prstGeom>
-          <a:ln>
-            <a:tailEnd type="triangle"/>
-          </a:ln>
-        </p:spPr>
-        <p:style>
-          <a:lnRef idx="3">
-            <a:schemeClr val="accent1"/>
-          </a:lnRef>
-          <a:fillRef idx="0">
-            <a:schemeClr val="accent1"/>
-          </a:fillRef>
-          <a:effectRef idx="2">
-            <a:schemeClr val="accent1"/>
-          </a:effectRef>
-          <a:fontRef idx="minor">
-            <a:schemeClr val="tx1"/>
-          </a:fontRef>
-        </p:style>
-      </p:cxnSp>
-      <p:cxnSp>
-        <p:nvCxnSpPr>
-          <p:cNvPr id="15" name="Straight Arrow Connector 14">
-            <a:extLst>
-              <a:ext uri="{FF2B5EF4-FFF2-40B4-BE49-F238E27FC236}">
-                <a16:creationId xmlns:a16="http://schemas.microsoft.com/office/drawing/2014/main" id="{0C48D724-F842-4BE2-B07E-64CCE2C8A30D}"/>
-              </a:ext>
-            </a:extLst>
-          </p:cNvPr>
-          <p:cNvCxnSpPr>
-            <a:cxnSpLocks/>
-          </p:cNvCxnSpPr>
-          <p:nvPr/>
-        </p:nvCxnSpPr>
-        <p:spPr>
-          <a:xfrm flipV="1">
-            <a:off x="1667272" y="5130800"/>
-            <a:ext cx="1787128" cy="298003"/>
-          </a:xfrm>
-          <a:prstGeom prst="straightConnector1">
-            <a:avLst/>
-          </a:prstGeom>
-          <a:ln>
-            <a:tailEnd type="triangle"/>
-          </a:ln>
-        </p:spPr>
-        <p:style>
-          <a:lnRef idx="3">
-            <a:schemeClr val="accent1"/>
-          </a:lnRef>
-          <a:fillRef idx="0">
-            <a:schemeClr val="accent1"/>
-          </a:fillRef>
-          <a:effectRef idx="2">
-            <a:schemeClr val="accent1"/>
-          </a:effectRef>
-          <a:fontRef idx="minor">
-            <a:schemeClr val="tx1"/>
-          </a:fontRef>
-        </p:style>
-      </p:cxnSp>
-      <p:cxnSp>
-        <p:nvCxnSpPr>
-          <p:cNvPr id="17" name="Straight Arrow Connector 16">
-            <a:extLst>
-              <a:ext uri="{FF2B5EF4-FFF2-40B4-BE49-F238E27FC236}">
-                <a16:creationId xmlns:a16="http://schemas.microsoft.com/office/drawing/2014/main" id="{E54A720E-E523-4B3C-B0C0-1A2B2D629E65}"/>
-              </a:ext>
-            </a:extLst>
-          </p:cNvPr>
-          <p:cNvCxnSpPr>
-            <a:cxnSpLocks/>
-          </p:cNvCxnSpPr>
-          <p:nvPr/>
-        </p:nvCxnSpPr>
-        <p:spPr>
-          <a:xfrm flipV="1">
-            <a:off x="5555456" y="5373896"/>
-            <a:ext cx="0" cy="718175"/>
-          </a:xfrm>
-          <a:prstGeom prst="straightConnector1">
-            <a:avLst/>
-          </a:prstGeom>
-          <a:ln>
-            <a:tailEnd type="triangle"/>
-          </a:ln>
-        </p:spPr>
-        <p:style>
-          <a:lnRef idx="3">
-            <a:schemeClr val="accent1"/>
-          </a:lnRef>
-          <a:fillRef idx="0">
-            <a:schemeClr val="accent1"/>
-          </a:fillRef>
-          <a:effectRef idx="2">
-            <a:schemeClr val="accent1"/>
-          </a:effectRef>
-          <a:fontRef idx="minor">
-            <a:schemeClr val="tx1"/>
-          </a:fontRef>
-        </p:style>
-      </p:cxnSp>
     </p:spTree>
     <p:extLst>
       <p:ext uri="{BB962C8B-B14F-4D97-AF65-F5344CB8AC3E}">
-        <p14:creationId xmlns:p14="http://schemas.microsoft.com/office/powerpoint/2010/main" val="1532243045"/>
+        <p14:creationId xmlns:p14="http://schemas.microsoft.com/office/powerpoint/2010/main" val="3641070766"/>
       </p:ext>
     </p:extLst>
   </p:cSld>

--- a/powerpoint/4_Shell_scripting.pptx
+++ b/powerpoint/4_Shell_scripting.pptx
@@ -17,13 +17,12 @@
     <p:sldId id="288" r:id="rId11"/>
     <p:sldId id="315" r:id="rId12"/>
     <p:sldId id="273" r:id="rId13"/>
-    <p:sldId id="328" r:id="rId14"/>
-    <p:sldId id="329" r:id="rId15"/>
-    <p:sldId id="325" r:id="rId16"/>
-    <p:sldId id="330" r:id="rId17"/>
-    <p:sldId id="331" r:id="rId18"/>
-    <p:sldId id="338" r:id="rId19"/>
-    <p:sldId id="332" r:id="rId20"/>
+    <p:sldId id="329" r:id="rId14"/>
+    <p:sldId id="325" r:id="rId15"/>
+    <p:sldId id="330" r:id="rId16"/>
+    <p:sldId id="331" r:id="rId17"/>
+    <p:sldId id="338" r:id="rId18"/>
+    <p:sldId id="332" r:id="rId19"/>
   </p:sldIdLst>
   <p:sldSz cx="12192000" cy="6858000"/>
   <p:notesSz cx="6858000" cy="9144000"/>
@@ -279,7 +278,7 @@
           <a:p>
             <a:fld id="{2244AFD0-6711-41F1-97ED-53C99FBC28F0}" type="datetimeFigureOut">
               <a:rPr lang="en-GB" smtClean="0"/>
-              <a:t>10/03/2022</a:t>
+              <a:t>08/02/2023</a:t>
             </a:fld>
             <a:endParaRPr lang="en-GB"/>
           </a:p>
@@ -479,7 +478,7 @@
           <a:p>
             <a:fld id="{2244AFD0-6711-41F1-97ED-53C99FBC28F0}" type="datetimeFigureOut">
               <a:rPr lang="en-GB" smtClean="0"/>
-              <a:t>10/03/2022</a:t>
+              <a:t>08/02/2023</a:t>
             </a:fld>
             <a:endParaRPr lang="en-GB"/>
           </a:p>
@@ -689,7 +688,7 @@
           <a:p>
             <a:fld id="{2244AFD0-6711-41F1-97ED-53C99FBC28F0}" type="datetimeFigureOut">
               <a:rPr lang="en-GB" smtClean="0"/>
-              <a:t>10/03/2022</a:t>
+              <a:t>08/02/2023</a:t>
             </a:fld>
             <a:endParaRPr lang="en-GB"/>
           </a:p>
@@ -889,7 +888,7 @@
           <a:p>
             <a:fld id="{2244AFD0-6711-41F1-97ED-53C99FBC28F0}" type="datetimeFigureOut">
               <a:rPr lang="en-GB" smtClean="0"/>
-              <a:t>10/03/2022</a:t>
+              <a:t>08/02/2023</a:t>
             </a:fld>
             <a:endParaRPr lang="en-GB"/>
           </a:p>
@@ -1165,7 +1164,7 @@
           <a:p>
             <a:fld id="{2244AFD0-6711-41F1-97ED-53C99FBC28F0}" type="datetimeFigureOut">
               <a:rPr lang="en-GB" smtClean="0"/>
-              <a:t>10/03/2022</a:t>
+              <a:t>08/02/2023</a:t>
             </a:fld>
             <a:endParaRPr lang="en-GB"/>
           </a:p>
@@ -1433,7 +1432,7 @@
           <a:p>
             <a:fld id="{2244AFD0-6711-41F1-97ED-53C99FBC28F0}" type="datetimeFigureOut">
               <a:rPr lang="en-GB" smtClean="0"/>
-              <a:t>10/03/2022</a:t>
+              <a:t>08/02/2023</a:t>
             </a:fld>
             <a:endParaRPr lang="en-GB"/>
           </a:p>
@@ -1848,7 +1847,7 @@
           <a:p>
             <a:fld id="{2244AFD0-6711-41F1-97ED-53C99FBC28F0}" type="datetimeFigureOut">
               <a:rPr lang="en-GB" smtClean="0"/>
-              <a:t>10/03/2022</a:t>
+              <a:t>08/02/2023</a:t>
             </a:fld>
             <a:endParaRPr lang="en-GB"/>
           </a:p>
@@ -1990,7 +1989,7 @@
           <a:p>
             <a:fld id="{2244AFD0-6711-41F1-97ED-53C99FBC28F0}" type="datetimeFigureOut">
               <a:rPr lang="en-GB" smtClean="0"/>
-              <a:t>10/03/2022</a:t>
+              <a:t>08/02/2023</a:t>
             </a:fld>
             <a:endParaRPr lang="en-GB"/>
           </a:p>
@@ -2103,7 +2102,7 @@
           <a:p>
             <a:fld id="{2244AFD0-6711-41F1-97ED-53C99FBC28F0}" type="datetimeFigureOut">
               <a:rPr lang="en-GB" smtClean="0"/>
-              <a:t>10/03/2022</a:t>
+              <a:t>08/02/2023</a:t>
             </a:fld>
             <a:endParaRPr lang="en-GB"/>
           </a:p>
@@ -2416,7 +2415,7 @@
           <a:p>
             <a:fld id="{2244AFD0-6711-41F1-97ED-53C99FBC28F0}" type="datetimeFigureOut">
               <a:rPr lang="en-GB" smtClean="0"/>
-              <a:t>10/03/2022</a:t>
+              <a:t>08/02/2023</a:t>
             </a:fld>
             <a:endParaRPr lang="en-GB"/>
           </a:p>
@@ -2705,7 +2704,7 @@
           <a:p>
             <a:fld id="{2244AFD0-6711-41F1-97ED-53C99FBC28F0}" type="datetimeFigureOut">
               <a:rPr lang="en-GB" smtClean="0"/>
-              <a:t>10/03/2022</a:t>
+              <a:t>08/02/2023</a:t>
             </a:fld>
             <a:endParaRPr lang="en-GB"/>
           </a:p>
@@ -2948,7 +2947,7 @@
           <a:p>
             <a:fld id="{2244AFD0-6711-41F1-97ED-53C99FBC28F0}" type="datetimeFigureOut">
               <a:rPr lang="en-GB" smtClean="0"/>
-              <a:t>10/03/2022</a:t>
+              <a:t>08/02/2023</a:t>
             </a:fld>
             <a:endParaRPr lang="en-GB"/>
           </a:p>
@@ -4561,348 +4560,6 @@
         </p:nvSpPr>
         <p:spPr>
           <a:xfrm>
-            <a:off x="-495300" y="-78007"/>
-            <a:ext cx="12192000" cy="1325563"/>
-          </a:xfrm>
-        </p:spPr>
-        <p:txBody>
-          <a:bodyPr/>
-          <a:lstStyle/>
-          <a:p>
-            <a:pPr algn="ctr"/>
-            <a:r>
-              <a:rPr lang="en-GB" dirty="0">
-                <a:solidFill>
-                  <a:srgbClr val="7030A0"/>
-                </a:solidFill>
-              </a:rPr>
-              <a:t>4) Shell scripting/ </a:t>
-            </a:r>
-            <a:r>
-              <a:rPr lang="en-GB" dirty="0" err="1">
-                <a:solidFill>
-                  <a:srgbClr val="7030A0"/>
-                </a:solidFill>
-              </a:rPr>
-              <a:t>qsub</a:t>
-            </a:r>
-            <a:r>
-              <a:rPr lang="en-GB" dirty="0">
-                <a:solidFill>
-                  <a:srgbClr val="7030A0"/>
-                </a:solidFill>
-              </a:rPr>
-              <a:t>: Run something useful</a:t>
-            </a:r>
-          </a:p>
-        </p:txBody>
-      </p:sp>
-      <p:sp>
-        <p:nvSpPr>
-          <p:cNvPr id="3" name="Content Placeholder 2">
-            <a:extLst>
-              <a:ext uri="{FF2B5EF4-FFF2-40B4-BE49-F238E27FC236}">
-                <a16:creationId xmlns:a16="http://schemas.microsoft.com/office/drawing/2014/main" id="{E1355657-ACC7-4163-88F9-88811068852A}"/>
-              </a:ext>
-            </a:extLst>
-          </p:cNvPr>
-          <p:cNvSpPr>
-            <a:spLocks noGrp="1"/>
-          </p:cNvSpPr>
-          <p:nvPr>
-            <p:ph idx="1"/>
-          </p:nvPr>
-        </p:nvSpPr>
-        <p:spPr>
-          <a:xfrm>
-            <a:off x="152400" y="928688"/>
-            <a:ext cx="11036300" cy="4486275"/>
-          </a:xfrm>
-        </p:spPr>
-        <p:txBody>
-          <a:bodyPr>
-            <a:normAutofit/>
-          </a:bodyPr>
-          <a:lstStyle/>
-          <a:p>
-            <a:r>
-              <a:rPr lang="en-GB" dirty="0" err="1"/>
-              <a:t>Fastqc</a:t>
-            </a:r>
-            <a:r>
-              <a:rPr lang="en-GB" dirty="0"/>
-              <a:t> on real Illumina data. Open the </a:t>
-            </a:r>
-            <a:r>
-              <a:rPr lang="en-GB" dirty="0">
-                <a:solidFill>
-                  <a:srgbClr val="00B050"/>
-                </a:solidFill>
-              </a:rPr>
-              <a:t>FastQC.sh </a:t>
-            </a:r>
-            <a:r>
-              <a:rPr lang="en-GB" dirty="0"/>
-              <a:t>file</a:t>
-            </a:r>
-          </a:p>
-          <a:p>
-            <a:r>
-              <a:rPr lang="en-GB" dirty="0" err="1">
-                <a:solidFill>
-                  <a:schemeClr val="accent1"/>
-                </a:solidFill>
-              </a:rPr>
-              <a:t>moduleav</a:t>
-            </a:r>
-            <a:r>
-              <a:rPr lang="en-GB" dirty="0"/>
-              <a:t>     (see a list of pre installed programs/ modules).</a:t>
-            </a:r>
-          </a:p>
-        </p:txBody>
-      </p:sp>
-      <p:pic>
-        <p:nvPicPr>
-          <p:cNvPr id="4" name="Picture 3">
-            <a:extLst>
-              <a:ext uri="{FF2B5EF4-FFF2-40B4-BE49-F238E27FC236}">
-                <a16:creationId xmlns:a16="http://schemas.microsoft.com/office/drawing/2014/main" id="{EAF3628D-06FA-4587-995D-18179A37861B}"/>
-              </a:ext>
-            </a:extLst>
-          </p:cNvPr>
-          <p:cNvPicPr>
-            <a:picLocks noChangeAspect="1"/>
-          </p:cNvPicPr>
-          <p:nvPr/>
-        </p:nvPicPr>
-        <p:blipFill rotWithShape="1">
-          <a:blip r:embed="rId2">
-            <a:extLst>
-              <a:ext uri="{28A0092B-C50C-407E-A947-70E740481C1C}">
-                <a14:useLocalDpi xmlns:a14="http://schemas.microsoft.com/office/drawing/2010/main" val="0"/>
-              </a:ext>
-            </a:extLst>
-          </a:blip>
-          <a:srcRect/>
-          <a:stretch/>
-        </p:blipFill>
-        <p:spPr>
-          <a:xfrm>
-            <a:off x="88232" y="2450598"/>
-            <a:ext cx="7975600" cy="5809033"/>
-          </a:xfrm>
-          <a:prstGeom prst="rect">
-            <a:avLst/>
-          </a:prstGeom>
-        </p:spPr>
-      </p:pic>
-      <p:sp>
-        <p:nvSpPr>
-          <p:cNvPr id="5" name="Rectangle 4">
-            <a:extLst>
-              <a:ext uri="{FF2B5EF4-FFF2-40B4-BE49-F238E27FC236}">
-                <a16:creationId xmlns:a16="http://schemas.microsoft.com/office/drawing/2014/main" id="{B2C3E9B6-9367-4A87-8175-A1A29D5EAF12}"/>
-              </a:ext>
-            </a:extLst>
-          </p:cNvPr>
-          <p:cNvSpPr/>
-          <p:nvPr/>
-        </p:nvSpPr>
-        <p:spPr>
-          <a:xfrm>
-            <a:off x="8128000" y="2450598"/>
-            <a:ext cx="3746500" cy="2246769"/>
-          </a:xfrm>
-          <a:prstGeom prst="rect">
-            <a:avLst/>
-          </a:prstGeom>
-        </p:spPr>
-        <p:txBody>
-          <a:bodyPr wrap="square">
-            <a:spAutoFit/>
-          </a:bodyPr>
-          <a:lstStyle/>
-          <a:p>
-            <a:r>
-              <a:rPr lang="en-GB" sz="2000" dirty="0"/>
-              <a:t>To load any of these programs from the list, e.g.</a:t>
-            </a:r>
-          </a:p>
-          <a:p>
-            <a:r>
-              <a:rPr lang="en-GB" sz="2000" dirty="0">
-                <a:solidFill>
-                  <a:schemeClr val="accent1"/>
-                </a:solidFill>
-              </a:rPr>
-              <a:t>module load </a:t>
-            </a:r>
-            <a:r>
-              <a:rPr lang="en-GB" sz="2000" dirty="0" err="1">
-                <a:solidFill>
-                  <a:schemeClr val="accent1"/>
-                </a:solidFill>
-              </a:rPr>
-              <a:t>name_of_package</a:t>
-            </a:r>
-            <a:endParaRPr lang="en-GB" sz="2000" dirty="0">
-              <a:solidFill>
-                <a:schemeClr val="accent1"/>
-              </a:solidFill>
-            </a:endParaRPr>
-          </a:p>
-          <a:p>
-            <a:endParaRPr lang="en-GB" sz="2000" dirty="0">
-              <a:solidFill>
-                <a:schemeClr val="accent1"/>
-              </a:solidFill>
-            </a:endParaRPr>
-          </a:p>
-          <a:p>
-            <a:r>
-              <a:rPr lang="en-GB" sz="2000" dirty="0">
-                <a:solidFill>
-                  <a:schemeClr val="accent1"/>
-                </a:solidFill>
-              </a:rPr>
-              <a:t>module load name/version</a:t>
-            </a:r>
-            <a:endParaRPr lang="en-GB" sz="2000" dirty="0"/>
-          </a:p>
-          <a:p>
-            <a:endParaRPr lang="en-GB" sz="2000" dirty="0">
-              <a:solidFill>
-                <a:schemeClr val="accent1"/>
-              </a:solidFill>
-            </a:endParaRPr>
-          </a:p>
-          <a:p>
-            <a:r>
-              <a:rPr lang="en-GB" sz="2000" dirty="0">
-                <a:solidFill>
-                  <a:schemeClr val="accent1"/>
-                </a:solidFill>
-              </a:rPr>
-              <a:t>module load </a:t>
-            </a:r>
-            <a:r>
-              <a:rPr lang="en-GB" sz="2000" dirty="0" err="1">
-                <a:solidFill>
-                  <a:schemeClr val="accent1"/>
-                </a:solidFill>
-              </a:rPr>
-              <a:t>MUMmer</a:t>
-            </a:r>
-            <a:r>
-              <a:rPr lang="en-GB" sz="2000" dirty="0">
-                <a:solidFill>
-                  <a:schemeClr val="accent1"/>
-                </a:solidFill>
-              </a:rPr>
-              <a:t>/3.23</a:t>
-            </a:r>
-          </a:p>
-        </p:txBody>
-      </p:sp>
-      <p:sp>
-        <p:nvSpPr>
-          <p:cNvPr id="6" name="TextBox 5">
-            <a:extLst>
-              <a:ext uri="{FF2B5EF4-FFF2-40B4-BE49-F238E27FC236}">
-                <a16:creationId xmlns:a16="http://schemas.microsoft.com/office/drawing/2014/main" id="{E116F140-36DE-4AFB-BDE8-E1C2676C31C1}"/>
-              </a:ext>
-            </a:extLst>
-          </p:cNvPr>
-          <p:cNvSpPr txBox="1"/>
-          <p:nvPr/>
-        </p:nvSpPr>
-        <p:spPr>
-          <a:xfrm>
-            <a:off x="10350500" y="0"/>
-            <a:ext cx="1841500" cy="584775"/>
-          </a:xfrm>
-          <a:prstGeom prst="rect">
-            <a:avLst/>
-          </a:prstGeom>
-          <a:noFill/>
-        </p:spPr>
-        <p:txBody>
-          <a:bodyPr wrap="square" rtlCol="0">
-            <a:spAutoFit/>
-          </a:bodyPr>
-          <a:lstStyle/>
-          <a:p>
-            <a:r>
-              <a:rPr lang="en-GB" sz="3200" dirty="0">
-                <a:solidFill>
-                  <a:srgbClr val="FF0000"/>
-                </a:solidFill>
-                <a:highlight>
-                  <a:srgbClr val="FFFF00"/>
-                </a:highlight>
-              </a:rPr>
-              <a:t>ACTIVITY</a:t>
-            </a:r>
-            <a:endParaRPr lang="en-GB" sz="2800" dirty="0">
-              <a:solidFill>
-                <a:srgbClr val="FF0000"/>
-              </a:solidFill>
-              <a:highlight>
-                <a:srgbClr val="FFFF00"/>
-              </a:highlight>
-            </a:endParaRPr>
-          </a:p>
-        </p:txBody>
-      </p:sp>
-    </p:spTree>
-    <p:extLst>
-      <p:ext uri="{BB962C8B-B14F-4D97-AF65-F5344CB8AC3E}">
-        <p14:creationId xmlns:p14="http://schemas.microsoft.com/office/powerpoint/2010/main" val="4097796142"/>
-      </p:ext>
-    </p:extLst>
-  </p:cSld>
-  <p:clrMapOvr>
-    <a:masterClrMapping/>
-  </p:clrMapOvr>
-</p:sld>
-</file>
-
-<file path=ppt/slides/slide14.xml><?xml version="1.0" encoding="utf-8"?>
-<p:sld xmlns:a="http://schemas.openxmlformats.org/drawingml/2006/main" xmlns:r="http://schemas.openxmlformats.org/officeDocument/2006/relationships" xmlns:p="http://schemas.openxmlformats.org/presentationml/2006/main">
-  <p:cSld>
-    <p:spTree>
-      <p:nvGrpSpPr>
-        <p:cNvPr id="1" name=""/>
-        <p:cNvGrpSpPr/>
-        <p:nvPr/>
-      </p:nvGrpSpPr>
-      <p:grpSpPr>
-        <a:xfrm>
-          <a:off x="0" y="0"/>
-          <a:ext cx="0" cy="0"/>
-          <a:chOff x="0" y="0"/>
-          <a:chExt cx="0" cy="0"/>
-        </a:xfrm>
-      </p:grpSpPr>
-      <p:sp>
-        <p:nvSpPr>
-          <p:cNvPr id="2" name="Title 1">
-            <a:extLst>
-              <a:ext uri="{FF2B5EF4-FFF2-40B4-BE49-F238E27FC236}">
-                <a16:creationId xmlns:a16="http://schemas.microsoft.com/office/drawing/2014/main" id="{7E03E00C-44CB-43B4-AB72-A0B8C7DC8FC6}"/>
-              </a:ext>
-            </a:extLst>
-          </p:cNvPr>
-          <p:cNvSpPr>
-            <a:spLocks noGrp="1"/>
-          </p:cNvSpPr>
-          <p:nvPr>
-            <p:ph type="title"/>
-          </p:nvPr>
-        </p:nvSpPr>
-        <p:spPr>
-          <a:xfrm>
             <a:off x="-204159" y="98964"/>
             <a:ext cx="12192000" cy="1325563"/>
           </a:xfrm>
@@ -5068,7 +4725,7 @@
 </p:sld>
 </file>
 
-<file path=ppt/slides/slide15.xml><?xml version="1.0" encoding="utf-8"?>
+<file path=ppt/slides/slide14.xml><?xml version="1.0" encoding="utf-8"?>
 <p:sld xmlns:a="http://schemas.openxmlformats.org/drawingml/2006/main" xmlns:r="http://schemas.openxmlformats.org/officeDocument/2006/relationships" xmlns:p="http://schemas.openxmlformats.org/presentationml/2006/main">
   <p:cSld>
     <p:spTree>
@@ -5375,7 +5032,7 @@
 </p:sld>
 </file>
 
-<file path=ppt/slides/slide16.xml><?xml version="1.0" encoding="utf-8"?>
+<file path=ppt/slides/slide15.xml><?xml version="1.0" encoding="utf-8"?>
 <p:sld xmlns:a="http://schemas.openxmlformats.org/drawingml/2006/main" xmlns:r="http://schemas.openxmlformats.org/officeDocument/2006/relationships" xmlns:p="http://schemas.openxmlformats.org/presentationml/2006/main">
   <p:cSld>
     <p:spTree>
@@ -5683,7 +5340,7 @@
 </p:sld>
 </file>
 
-<file path=ppt/slides/slide17.xml><?xml version="1.0" encoding="utf-8"?>
+<file path=ppt/slides/slide16.xml><?xml version="1.0" encoding="utf-8"?>
 <p:sld xmlns:a="http://schemas.openxmlformats.org/drawingml/2006/main" xmlns:r="http://schemas.openxmlformats.org/officeDocument/2006/relationships" xmlns:p="http://schemas.openxmlformats.org/presentationml/2006/main">
   <p:cSld>
     <p:spTree>
@@ -6165,7 +5822,7 @@
 </p:sld>
 </file>
 
-<file path=ppt/slides/slide18.xml><?xml version="1.0" encoding="utf-8"?>
+<file path=ppt/slides/slide17.xml><?xml version="1.0" encoding="utf-8"?>
 <p:sld xmlns:a="http://schemas.openxmlformats.org/drawingml/2006/main" xmlns:r="http://schemas.openxmlformats.org/officeDocument/2006/relationships" xmlns:p="http://schemas.openxmlformats.org/presentationml/2006/main">
   <p:cSld>
     <p:spTree>
@@ -6417,7 +6074,7 @@
 </p:sld>
 </file>
 
-<file path=ppt/slides/slide19.xml><?xml version="1.0" encoding="utf-8"?>
+<file path=ppt/slides/slide18.xml><?xml version="1.0" encoding="utf-8"?>
 <p:sld xmlns:a="http://schemas.openxmlformats.org/drawingml/2006/main" xmlns:r="http://schemas.openxmlformats.org/officeDocument/2006/relationships" xmlns:p="http://schemas.openxmlformats.org/presentationml/2006/main">
   <p:cSld>
     <p:spTree>
